--- a/week_3/week_3.pptx
+++ b/week_3/week_3.pptx
@@ -8,21 +8,18 @@
     <p:notesMasterId r:id="rId4"/>
   </p:notesMasterIdLst>
   <p:handoutMasterIdLst>
-    <p:handoutMasterId r:id="rId16"/>
+    <p:handoutMasterId r:id="rId13"/>
   </p:handoutMasterIdLst>
   <p:sldIdLst>
     <p:sldId id="335" r:id="rId3"/>
     <p:sldId id="346" r:id="rId5"/>
     <p:sldId id="342" r:id="rId6"/>
     <p:sldId id="360" r:id="rId7"/>
-    <p:sldId id="361" r:id="rId8"/>
-    <p:sldId id="362" r:id="rId9"/>
-    <p:sldId id="363" r:id="rId10"/>
-    <p:sldId id="343" r:id="rId11"/>
-    <p:sldId id="355" r:id="rId12"/>
-    <p:sldId id="354" r:id="rId13"/>
-    <p:sldId id="353" r:id="rId14"/>
-    <p:sldId id="289" r:id="rId15"/>
+    <p:sldId id="343" r:id="rId8"/>
+    <p:sldId id="355" r:id="rId9"/>
+    <p:sldId id="354" r:id="rId10"/>
+    <p:sldId id="353" r:id="rId11"/>
+    <p:sldId id="289" r:id="rId12"/>
   </p:sldIdLst>
   <p:sldSz cx="9144000" cy="6858000" type="screen4x3"/>
   <p:notesSz cx="6997700" cy="9283700"/>
@@ -1066,249 +1063,6 @@
 </p:notes>
 </file>
 
-<file path=ppt/notesSlides/notesSlide10.xml><?xml version="1.0" encoding="utf-8"?>
-<p:notes xmlns:a="http://schemas.openxmlformats.org/drawingml/2006/main" xmlns:r="http://schemas.openxmlformats.org/officeDocument/2006/relationships" xmlns:p="http://schemas.openxmlformats.org/presentationml/2006/main">
-  <p:cSld>
-    <p:spTree>
-      <p:nvGrpSpPr>
-        <p:cNvPr id="1" name=""/>
-        <p:cNvGrpSpPr/>
-        <p:nvPr/>
-      </p:nvGrpSpPr>
-      <p:grpSpPr>
-        <a:xfrm>
-          <a:off x="0" y="0"/>
-          <a:ext cx="0" cy="0"/>
-          <a:chOff x="0" y="0"/>
-          <a:chExt cx="0" cy="0"/>
-        </a:xfrm>
-      </p:grpSpPr>
-      <p:sp>
-        <p:nvSpPr>
-          <p:cNvPr id="2" name="Slide Image Placeholder 1"/>
-          <p:cNvSpPr>
-            <a:spLocks noGrp="1" noRot="1" noChangeAspect="1"/>
-          </p:cNvSpPr>
-          <p:nvPr>
-            <p:ph type="sldImg"/>
-          </p:nvPr>
-        </p:nvSpPr>
-        <p:spPr/>
-      </p:sp>
-      <p:sp>
-        <p:nvSpPr>
-          <p:cNvPr id="3" name="Notes Placeholder 2"/>
-          <p:cNvSpPr>
-            <a:spLocks noGrp="1"/>
-          </p:cNvSpPr>
-          <p:nvPr>
-            <p:ph type="body" idx="1"/>
-          </p:nvPr>
-        </p:nvSpPr>
-        <p:spPr/>
-        <p:txBody>
-          <a:bodyPr/>
-          <a:lstStyle/>
-          <a:p>
-            <a:endParaRPr lang="en-US" dirty="0"/>
-          </a:p>
-        </p:txBody>
-      </p:sp>
-      <p:sp>
-        <p:nvSpPr>
-          <p:cNvPr id="4" name="Slide Number Placeholder 3"/>
-          <p:cNvSpPr>
-            <a:spLocks noGrp="1"/>
-          </p:cNvSpPr>
-          <p:nvPr>
-            <p:ph type="sldNum" sz="quarter" idx="5"/>
-          </p:nvPr>
-        </p:nvSpPr>
-        <p:spPr/>
-        <p:txBody>
-          <a:bodyPr/>
-          <a:lstStyle/>
-          <a:p>
-            <a:pPr>
-              <a:defRPr/>
-            </a:pPr>
-            <a:fld id="{AE66C03C-4B0E-4149-8287-A3B340EB818D}" type="slidenum">
-              <a:rPr lang="en-US" altLang="en-US" smtClean="0"/>
-            </a:fld>
-            <a:endParaRPr lang="en-US" altLang="en-US"/>
-          </a:p>
-        </p:txBody>
-      </p:sp>
-    </p:spTree>
-  </p:cSld>
-  <p:clrMapOvr>
-    <a:masterClrMapping/>
-  </p:clrMapOvr>
-</p:notes>
-</file>
-
-<file path=ppt/notesSlides/notesSlide11.xml><?xml version="1.0" encoding="utf-8"?>
-<p:notes xmlns:a="http://schemas.openxmlformats.org/drawingml/2006/main" xmlns:r="http://schemas.openxmlformats.org/officeDocument/2006/relationships" xmlns:p="http://schemas.openxmlformats.org/presentationml/2006/main">
-  <p:cSld>
-    <p:spTree>
-      <p:nvGrpSpPr>
-        <p:cNvPr id="1" name=""/>
-        <p:cNvGrpSpPr/>
-        <p:nvPr/>
-      </p:nvGrpSpPr>
-      <p:grpSpPr>
-        <a:xfrm>
-          <a:off x="0" y="0"/>
-          <a:ext cx="0" cy="0"/>
-          <a:chOff x="0" y="0"/>
-          <a:chExt cx="0" cy="0"/>
-        </a:xfrm>
-      </p:grpSpPr>
-      <p:sp>
-        <p:nvSpPr>
-          <p:cNvPr id="2" name="Slide Image Placeholder 1"/>
-          <p:cNvSpPr>
-            <a:spLocks noGrp="1" noRot="1" noChangeAspect="1"/>
-          </p:cNvSpPr>
-          <p:nvPr>
-            <p:ph type="sldImg"/>
-          </p:nvPr>
-        </p:nvSpPr>
-        <p:spPr/>
-      </p:sp>
-      <p:sp>
-        <p:nvSpPr>
-          <p:cNvPr id="3" name="Notes Placeholder 2"/>
-          <p:cNvSpPr>
-            <a:spLocks noGrp="1"/>
-          </p:cNvSpPr>
-          <p:nvPr>
-            <p:ph type="body" idx="1"/>
-          </p:nvPr>
-        </p:nvSpPr>
-        <p:spPr/>
-        <p:txBody>
-          <a:bodyPr/>
-          <a:lstStyle/>
-          <a:p>
-            <a:endParaRPr lang="en-US" dirty="0"/>
-          </a:p>
-        </p:txBody>
-      </p:sp>
-      <p:sp>
-        <p:nvSpPr>
-          <p:cNvPr id="4" name="Slide Number Placeholder 3"/>
-          <p:cNvSpPr>
-            <a:spLocks noGrp="1"/>
-          </p:cNvSpPr>
-          <p:nvPr>
-            <p:ph type="sldNum" sz="quarter" idx="5"/>
-          </p:nvPr>
-        </p:nvSpPr>
-        <p:spPr/>
-        <p:txBody>
-          <a:bodyPr/>
-          <a:lstStyle/>
-          <a:p>
-            <a:pPr>
-              <a:defRPr/>
-            </a:pPr>
-            <a:fld id="{AE66C03C-4B0E-4149-8287-A3B340EB818D}" type="slidenum">
-              <a:rPr lang="en-US" altLang="en-US" smtClean="0"/>
-            </a:fld>
-            <a:endParaRPr lang="en-US" altLang="en-US"/>
-          </a:p>
-        </p:txBody>
-      </p:sp>
-    </p:spTree>
-  </p:cSld>
-  <p:clrMapOvr>
-    <a:masterClrMapping/>
-  </p:clrMapOvr>
-</p:notes>
-</file>
-
-<file path=ppt/notesSlides/notesSlide12.xml><?xml version="1.0" encoding="utf-8"?>
-<p:notes xmlns:a="http://schemas.openxmlformats.org/drawingml/2006/main" xmlns:r="http://schemas.openxmlformats.org/officeDocument/2006/relationships" xmlns:p="http://schemas.openxmlformats.org/presentationml/2006/main">
-  <p:cSld>
-    <p:spTree>
-      <p:nvGrpSpPr>
-        <p:cNvPr id="1" name=""/>
-        <p:cNvGrpSpPr/>
-        <p:nvPr/>
-      </p:nvGrpSpPr>
-      <p:grpSpPr>
-        <a:xfrm>
-          <a:off x="0" y="0"/>
-          <a:ext cx="0" cy="0"/>
-          <a:chOff x="0" y="0"/>
-          <a:chExt cx="0" cy="0"/>
-        </a:xfrm>
-      </p:grpSpPr>
-      <p:sp>
-        <p:nvSpPr>
-          <p:cNvPr id="2" name="Slide Image Placeholder 1"/>
-          <p:cNvSpPr>
-            <a:spLocks noGrp="1" noRot="1" noChangeAspect="1"/>
-          </p:cNvSpPr>
-          <p:nvPr>
-            <p:ph type="sldImg"/>
-          </p:nvPr>
-        </p:nvSpPr>
-        <p:spPr/>
-      </p:sp>
-      <p:sp>
-        <p:nvSpPr>
-          <p:cNvPr id="3" name="Notes Placeholder 2"/>
-          <p:cNvSpPr>
-            <a:spLocks noGrp="1"/>
-          </p:cNvSpPr>
-          <p:nvPr>
-            <p:ph type="body" idx="1"/>
-          </p:nvPr>
-        </p:nvSpPr>
-        <p:spPr/>
-        <p:txBody>
-          <a:bodyPr/>
-          <a:lstStyle/>
-          <a:p>
-            <a:endParaRPr lang="en-US" dirty="0"/>
-          </a:p>
-        </p:txBody>
-      </p:sp>
-      <p:sp>
-        <p:nvSpPr>
-          <p:cNvPr id="4" name="Slide Number Placeholder 3"/>
-          <p:cNvSpPr>
-            <a:spLocks noGrp="1"/>
-          </p:cNvSpPr>
-          <p:nvPr>
-            <p:ph type="sldNum" sz="quarter" idx="5"/>
-          </p:nvPr>
-        </p:nvSpPr>
-        <p:spPr/>
-        <p:txBody>
-          <a:bodyPr/>
-          <a:lstStyle/>
-          <a:p>
-            <a:pPr>
-              <a:defRPr/>
-            </a:pPr>
-            <a:fld id="{AE66C03C-4B0E-4149-8287-A3B340EB818D}" type="slidenum">
-              <a:rPr lang="en-US" altLang="en-US" smtClean="0"/>
-            </a:fld>
-            <a:endParaRPr lang="en-US" altLang="en-US"/>
-          </a:p>
-        </p:txBody>
-      </p:sp>
-    </p:spTree>
-  </p:cSld>
-  <p:clrMapOvr>
-    <a:masterClrMapping/>
-  </p:clrMapOvr>
-</p:notes>
-</file>
-
 <file path=ppt/notesSlides/notesSlide2.xml><?xml version="1.0" encoding="utf-8"?>
 <p:notes xmlns:a="http://schemas.openxmlformats.org/drawingml/2006/main" xmlns:r="http://schemas.openxmlformats.org/officeDocument/2006/relationships" xmlns:p="http://schemas.openxmlformats.org/presentationml/2006/main">
   <p:cSld>
@@ -1745,32 +1499,7 @@
           <a:bodyPr/>
           <a:lstStyle/>
           <a:p>
-            <a:pPr algn="l"/>
-            <a:r>
-              <a:rPr lang="en-US" altLang="zh-CN" dirty="0"/>
-              <a:t>Ranking can be done within partitions of the data. </a:t>
-            </a:r>
-            <a:endParaRPr lang="en-US" altLang="zh-CN" dirty="0"/>
-          </a:p>
-          <a:p>
-            <a:pPr algn="l"/>
-            <a:r>
-              <a:rPr lang="en-US" altLang="zh-CN" dirty="0"/>
-              <a:t>For example, if we want to rank students within each department, we can use PARTITION BY like this. </a:t>
-            </a:r>
-            <a:endParaRPr lang="en-US" altLang="zh-CN" dirty="0"/>
-          </a:p>
-          <a:p>
-            <a:pPr algn="l"/>
-            <a:endParaRPr lang="en-US" altLang="zh-CN" dirty="0"/>
-          </a:p>
-          <a:p>
-            <a:pPr algn="l"/>
-            <a:r>
-              <a:rPr lang="en-US" altLang="zh-CN" dirty="0"/>
-              <a:t>This query ranks students within each department based on their GPA.</a:t>
-            </a:r>
-            <a:endParaRPr lang="en-US" altLang="zh-CN" dirty="0"/>
+            <a:endParaRPr lang="en-US" dirty="0"/>
           </a:p>
         </p:txBody>
       </p:sp>
@@ -1816,87 +1545,67 @@
         <p:cNvGrpSpPr/>
         <p:nvPr/>
       </p:nvGrpSpPr>
-      <p:grpSpPr/>
-      <p:sp>
-        <p:nvSpPr>
-          <p:cNvPr id="2" name="幻灯片图像占位符 1"/>
+      <p:grpSpPr>
+        <a:xfrm>
+          <a:off x="0" y="0"/>
+          <a:ext cx="0" cy="0"/>
+          <a:chOff x="0" y="0"/>
+          <a:chExt cx="0" cy="0"/>
+        </a:xfrm>
+      </p:grpSpPr>
+      <p:sp>
+        <p:nvSpPr>
+          <p:cNvPr id="2" name="Slide Image Placeholder 1"/>
+          <p:cNvSpPr>
+            <a:spLocks noGrp="1" noRot="1" noChangeAspect="1"/>
+          </p:cNvSpPr>
+          <p:nvPr>
+            <p:ph type="sldImg"/>
+          </p:nvPr>
+        </p:nvSpPr>
+        <p:spPr/>
+      </p:sp>
+      <p:sp>
+        <p:nvSpPr>
+          <p:cNvPr id="3" name="Notes Placeholder 2"/>
           <p:cNvSpPr>
             <a:spLocks noGrp="1"/>
           </p:cNvSpPr>
           <p:nvPr>
-            <p:ph type="sldImg" idx="2"/>
+            <p:ph type="body" idx="1"/>
           </p:nvPr>
         </p:nvSpPr>
         <p:spPr/>
-      </p:sp>
-      <p:sp>
-        <p:nvSpPr>
-          <p:cNvPr id="3" name="文本占位符 2"/>
+        <p:txBody>
+          <a:bodyPr/>
+          <a:lstStyle/>
+          <a:p>
+            <a:endParaRPr lang="en-US" dirty="0"/>
+          </a:p>
+        </p:txBody>
+      </p:sp>
+      <p:sp>
+        <p:nvSpPr>
+          <p:cNvPr id="4" name="Slide Number Placeholder 3"/>
           <p:cNvSpPr>
             <a:spLocks noGrp="1"/>
           </p:cNvSpPr>
           <p:nvPr>
-            <p:ph type="body" idx="3"/>
+            <p:ph type="sldNum" sz="quarter" idx="5"/>
           </p:nvPr>
         </p:nvSpPr>
         <p:spPr/>
         <p:txBody>
           <a:bodyPr/>
-          <a:p>
-            <a:pPr algn="l"/>
-            <a:r>
-              <a:rPr lang="en-US" altLang="zh-CN"/>
-              <a:t>Apart from RANK() and DENSE_RANK(), SQL provides additional ranking functions:</a:t>
-            </a:r>
-            <a:endParaRPr lang="en-US" altLang="zh-CN"/>
-          </a:p>
-          <a:p>
-            <a:pPr algn="l"/>
-            <a:endParaRPr lang="en-US" altLang="zh-CN"/>
-          </a:p>
-          <a:p>
-            <a:pPr algn="l"/>
-            <a:r>
-              <a:rPr lang="en-US" altLang="zh-CN"/>
-              <a:t>PERCENT_RANK(): Computes the percentage ranking within a partition.</a:t>
-            </a:r>
-            <a:endParaRPr lang="en-US" altLang="zh-CN"/>
-          </a:p>
-          <a:p>
-            <a:pPr algn="l"/>
-            <a:endParaRPr lang="en-US" altLang="zh-CN"/>
-          </a:p>
-          <a:p>
-            <a:pPr algn="l"/>
-            <a:r>
-              <a:rPr lang="en-US" altLang="zh-CN"/>
-              <a:t>CUME_DIST(): Determines the cumulative distribution by calculating the fraction of preceding values.</a:t>
-            </a:r>
-            <a:endParaRPr lang="en-US" altLang="zh-CN"/>
-          </a:p>
-          <a:p>
-            <a:pPr algn="l"/>
-            <a:endParaRPr lang="en-US" altLang="zh-CN"/>
-          </a:p>
-          <a:p>
-            <a:pPr algn="l"/>
-            <a:r>
-              <a:rPr lang="en-US" altLang="zh-CN"/>
-              <a:t>ROW_NUMBER(): Assigns a unique row number to each record, but it is non-deterministic when duplicates exist.</a:t>
-            </a:r>
-            <a:endParaRPr lang="en-US" altLang="zh-CN"/>
-          </a:p>
-          <a:p>
-            <a:pPr algn="l"/>
-            <a:endParaRPr lang="en-US" altLang="zh-CN"/>
-          </a:p>
-          <a:p>
-            <a:pPr algn="l"/>
-            <a:r>
-              <a:rPr lang="en-US" altLang="zh-CN"/>
-              <a:t>SQL also allows users to specify how NULL values are ranked using NULLS FIRST or NULLS LAST</a:t>
-            </a:r>
-            <a:endParaRPr lang="en-US" altLang="zh-CN"/>
+          <a:lstStyle/>
+          <a:p>
+            <a:pPr>
+              <a:defRPr/>
+            </a:pPr>
+            <a:fld id="{AE66C03C-4B0E-4149-8287-A3B340EB818D}" type="slidenum">
+              <a:rPr lang="en-US" altLang="en-US" smtClean="0"/>
+            </a:fld>
+            <a:endParaRPr lang="en-US" altLang="en-US"/>
           </a:p>
         </p:txBody>
       </p:sp>
@@ -1917,63 +1626,67 @@
         <p:cNvGrpSpPr/>
         <p:nvPr/>
       </p:nvGrpSpPr>
-      <p:grpSpPr/>
-      <p:sp>
-        <p:nvSpPr>
-          <p:cNvPr id="2" name="幻灯片图像占位符 1"/>
+      <p:grpSpPr>
+        <a:xfrm>
+          <a:off x="0" y="0"/>
+          <a:ext cx="0" cy="0"/>
+          <a:chOff x="0" y="0"/>
+          <a:chExt cx="0" cy="0"/>
+        </a:xfrm>
+      </p:grpSpPr>
+      <p:sp>
+        <p:nvSpPr>
+          <p:cNvPr id="2" name="Slide Image Placeholder 1"/>
+          <p:cNvSpPr>
+            <a:spLocks noGrp="1" noRot="1" noChangeAspect="1"/>
+          </p:cNvSpPr>
+          <p:nvPr>
+            <p:ph type="sldImg"/>
+          </p:nvPr>
+        </p:nvSpPr>
+        <p:spPr/>
+      </p:sp>
+      <p:sp>
+        <p:nvSpPr>
+          <p:cNvPr id="3" name="Notes Placeholder 2"/>
           <p:cNvSpPr>
             <a:spLocks noGrp="1"/>
           </p:cNvSpPr>
           <p:nvPr>
-            <p:ph type="sldImg" idx="2"/>
+            <p:ph type="body" idx="1"/>
           </p:nvPr>
         </p:nvSpPr>
         <p:spPr/>
-      </p:sp>
-      <p:sp>
-        <p:nvSpPr>
-          <p:cNvPr id="3" name="文本占位符 2"/>
+        <p:txBody>
+          <a:bodyPr/>
+          <a:lstStyle/>
+          <a:p>
+            <a:endParaRPr lang="en-US" dirty="0"/>
+          </a:p>
+        </p:txBody>
+      </p:sp>
+      <p:sp>
+        <p:nvSpPr>
+          <p:cNvPr id="4" name="Slide Number Placeholder 3"/>
           <p:cNvSpPr>
             <a:spLocks noGrp="1"/>
           </p:cNvSpPr>
           <p:nvPr>
-            <p:ph type="body" idx="3"/>
+            <p:ph type="sldNum" sz="quarter" idx="5"/>
           </p:nvPr>
         </p:nvSpPr>
         <p:spPr/>
         <p:txBody>
           <a:bodyPr/>
-          <a:p>
-            <a:pPr algn="l"/>
-            <a:r>
-              <a:rPr lang="en-US" altLang="zh-CN"/>
-              <a:t>Another useful ranking function is NTILE(n), which divides data into n equal parts. </a:t>
-            </a:r>
-            <a:endParaRPr lang="en-US" altLang="zh-CN"/>
-          </a:p>
-          <a:p>
-            <a:pPr algn="l"/>
-            <a:endParaRPr lang="en-US" altLang="zh-CN"/>
-          </a:p>
-          <a:p>
-            <a:pPr algn="l"/>
-            <a:r>
-              <a:rPr lang="en-US" altLang="zh-CN"/>
-              <a:t>For example, NTILE(4): This divides the dataset into 4 equal parts (quartiles).</a:t>
-            </a:r>
-            <a:endParaRPr lang="en-US" altLang="zh-CN"/>
-          </a:p>
-          <a:p>
-            <a:pPr algn="l"/>
-            <a:endParaRPr lang="en-US" altLang="zh-CN"/>
-          </a:p>
-          <a:p>
-            <a:pPr algn="l"/>
-            <a:r>
-              <a:rPr lang="en-US" altLang="zh-CN"/>
-              <a:t>ORDER BY GPA DESC: The division is based on GPA, ensuring higher GPAs are placed in higher quartiles.</a:t>
-            </a:r>
-            <a:endParaRPr lang="en-US" altLang="zh-CN"/>
+          <a:lstStyle/>
+          <a:p>
+            <a:pPr>
+              <a:defRPr/>
+            </a:pPr>
+            <a:fld id="{AE66C03C-4B0E-4149-8287-A3B340EB818D}" type="slidenum">
+              <a:rPr lang="en-US" altLang="en-US" smtClean="0"/>
+            </a:fld>
+            <a:endParaRPr lang="en-US" altLang="en-US"/>
           </a:p>
         </p:txBody>
       </p:sp>
@@ -5734,447 +5447,6 @@
 </p:sld>
 </file>
 
-<file path=ppt/slides/slide10.xml><?xml version="1.0" encoding="utf-8"?>
-<p:sld xmlns:a="http://schemas.openxmlformats.org/drawingml/2006/main" xmlns:r="http://schemas.openxmlformats.org/officeDocument/2006/relationships" xmlns:p="http://schemas.openxmlformats.org/presentationml/2006/main">
-  <p:cSld>
-    <p:spTree>
-      <p:nvGrpSpPr>
-        <p:cNvPr id="1" name=""/>
-        <p:cNvGrpSpPr/>
-        <p:nvPr/>
-      </p:nvGrpSpPr>
-      <p:grpSpPr>
-        <a:xfrm>
-          <a:off x="0" y="0"/>
-          <a:ext cx="0" cy="0"/>
-          <a:chOff x="0" y="0"/>
-          <a:chExt cx="0" cy="0"/>
-        </a:xfrm>
-      </p:grpSpPr>
-      <p:sp>
-        <p:nvSpPr>
-          <p:cNvPr id="2" name="Title 1"/>
-          <p:cNvSpPr>
-            <a:spLocks noGrp="1"/>
-          </p:cNvSpPr>
-          <p:nvPr>
-            <p:ph type="title"/>
-          </p:nvPr>
-        </p:nvSpPr>
-        <p:spPr>
-          <a:xfrm>
-            <a:off x="661702" y="586892"/>
-            <a:ext cx="8079391" cy="609600"/>
-          </a:xfrm>
-        </p:spPr>
-        <p:txBody>
-          <a:bodyPr/>
-          <a:lstStyle/>
-          <a:p>
-            <a:pPr algn="ctr"/>
-            <a:r>
-              <a:rPr lang="en-NZ" sz="3600" dirty="0"/>
-              <a:t>Exercises</a:t>
-            </a:r>
-            <a:endParaRPr lang="en-US" sz="3600" dirty="0"/>
-          </a:p>
-        </p:txBody>
-      </p:sp>
-      <p:sp>
-        <p:nvSpPr>
-          <p:cNvPr id="3" name="Content Placeholder 2"/>
-          <p:cNvSpPr>
-            <a:spLocks noGrp="1"/>
-          </p:cNvSpPr>
-          <p:nvPr>
-            <p:ph idx="1"/>
-          </p:nvPr>
-        </p:nvSpPr>
-        <p:spPr/>
-        <p:txBody>
-          <a:bodyPr/>
-          <a:lstStyle/>
-          <a:p>
-            <a:pPr marL="0" indent="0" algn="l">
-              <a:buNone/>
-            </a:pPr>
-            <a:r>
-              <a:rPr lang="en-US" altLang="zh-CN" sz="2400" dirty="0">
-                <a:latin typeface="+mj-lt"/>
-              </a:rPr>
-              <a:t>3. Show how to define a view</a:t>
-            </a:r>
-            <a:r>
-              <a:rPr lang="en-US" altLang="zh-CN" sz="2400" i="1" dirty="0">
-                <a:latin typeface="Helvetica Oblique" charset="0"/>
-                <a:cs typeface="Helvetica Oblique" charset="0"/>
-              </a:rPr>
-              <a:t> tot_credits (year, num credits)</a:t>
-            </a:r>
-            <a:r>
-              <a:rPr lang="en-US" altLang="zh-CN" sz="2400" dirty="0">
-                <a:latin typeface="+mj-lt"/>
-              </a:rPr>
-              <a:t>, giving the total number of credits taken in each year.</a:t>
-            </a:r>
-            <a:endParaRPr lang="en-US" altLang="zh-CN" sz="2400" dirty="0">
-              <a:latin typeface="+mj-lt"/>
-            </a:endParaRPr>
-          </a:p>
-        </p:txBody>
-      </p:sp>
-      <p:sp>
-        <p:nvSpPr>
-          <p:cNvPr id="4" name="Slide Number Placeholder 3"/>
-          <p:cNvSpPr>
-            <a:spLocks noGrp="1"/>
-          </p:cNvSpPr>
-          <p:nvPr>
-            <p:ph type="sldNum" sz="quarter" idx="10"/>
-          </p:nvPr>
-        </p:nvSpPr>
-        <p:spPr/>
-        <p:txBody>
-          <a:bodyPr/>
-          <a:lstStyle/>
-          <a:p>
-            <a:pPr>
-              <a:defRPr/>
-            </a:pPr>
-            <a:fld id="{547F3CAF-32BF-49A6-93F1-59C9E4B7C957}" type="slidenum">
-              <a:rPr lang="en-US" altLang="en-US" smtClean="0"/>
-            </a:fld>
-            <a:endParaRPr lang="en-US" altLang="en-US" dirty="0"/>
-          </a:p>
-        </p:txBody>
-      </p:sp>
-    </p:spTree>
-  </p:cSld>
-  <p:clrMapOvr>
-    <a:masterClrMapping/>
-  </p:clrMapOvr>
-</p:sld>
-</file>
-
-<file path=ppt/slides/slide11.xml><?xml version="1.0" encoding="utf-8"?>
-<p:sld xmlns:a="http://schemas.openxmlformats.org/drawingml/2006/main" xmlns:r="http://schemas.openxmlformats.org/officeDocument/2006/relationships" xmlns:p="http://schemas.openxmlformats.org/presentationml/2006/main">
-  <p:cSld>
-    <p:spTree>
-      <p:nvGrpSpPr>
-        <p:cNvPr id="1" name=""/>
-        <p:cNvGrpSpPr/>
-        <p:nvPr/>
-      </p:nvGrpSpPr>
-      <p:grpSpPr>
-        <a:xfrm>
-          <a:off x="0" y="0"/>
-          <a:ext cx="0" cy="0"/>
-          <a:chOff x="0" y="0"/>
-          <a:chExt cx="0" cy="0"/>
-        </a:xfrm>
-      </p:grpSpPr>
-      <p:sp>
-        <p:nvSpPr>
-          <p:cNvPr id="2" name="Title 1"/>
-          <p:cNvSpPr>
-            <a:spLocks noGrp="1"/>
-          </p:cNvSpPr>
-          <p:nvPr>
-            <p:ph type="title"/>
-          </p:nvPr>
-        </p:nvSpPr>
-        <p:spPr>
-          <a:xfrm>
-            <a:off x="661702" y="586892"/>
-            <a:ext cx="8079391" cy="609600"/>
-          </a:xfrm>
-        </p:spPr>
-        <p:txBody>
-          <a:bodyPr/>
-          <a:lstStyle/>
-          <a:p>
-            <a:pPr algn="ctr"/>
-            <a:r>
-              <a:rPr lang="en-NZ" sz="3600" dirty="0"/>
-              <a:t>Exercises</a:t>
-            </a:r>
-            <a:endParaRPr lang="en-US" sz="3600" dirty="0"/>
-          </a:p>
-        </p:txBody>
-      </p:sp>
-      <p:sp>
-        <p:nvSpPr>
-          <p:cNvPr id="3" name="Content Placeholder 2"/>
-          <p:cNvSpPr>
-            <a:spLocks noGrp="1"/>
-          </p:cNvSpPr>
-          <p:nvPr>
-            <p:ph idx="1"/>
-          </p:nvPr>
-        </p:nvSpPr>
-        <p:spPr/>
-        <p:txBody>
-          <a:bodyPr/>
-          <a:lstStyle/>
-          <a:p>
-            <a:pPr marL="0" indent="0" algn="l">
-              <a:buNone/>
-            </a:pPr>
-            <a:r>
-              <a:rPr lang="en-US" altLang="zh-CN" sz="2400" dirty="0">
-                <a:latin typeface="+mj-lt"/>
-              </a:rPr>
-              <a:t>4. Given a relation S</a:t>
-            </a:r>
-            <a:r>
-              <a:rPr lang="en-US" altLang="zh-CN" sz="2400" i="1" dirty="0">
-                <a:latin typeface="Helvetica Oblique" charset="0"/>
-                <a:cs typeface="Helvetica Oblique" charset="0"/>
-              </a:rPr>
-              <a:t>(student, subject, marks)</a:t>
-            </a:r>
-            <a:r>
-              <a:rPr lang="en-US" altLang="zh-CN" sz="2400" dirty="0">
-                <a:latin typeface="+mj-lt"/>
-              </a:rPr>
-              <a:t>, write a query to find the top 10 students by total marks, by using </a:t>
-            </a:r>
-            <a:r>
-              <a:rPr lang="en-US" altLang="zh-CN" sz="2400" b="1" dirty="0">
-                <a:latin typeface="Helvetica Bold" charset="0"/>
-                <a:cs typeface="Helvetica Bold" charset="0"/>
-              </a:rPr>
-              <a:t>SQL ranking</a:t>
-            </a:r>
-            <a:r>
-              <a:rPr lang="en-US" altLang="zh-CN" sz="2400" dirty="0">
-                <a:latin typeface="+mj-lt"/>
-              </a:rPr>
-              <a:t>. Include all students tied for the final spot in the ranking, even if that results in more than 10 total students.</a:t>
-            </a:r>
-            <a:endParaRPr lang="en-US" altLang="zh-CN" sz="2400" dirty="0">
-              <a:latin typeface="+mj-lt"/>
-            </a:endParaRPr>
-          </a:p>
-        </p:txBody>
-      </p:sp>
-      <p:sp>
-        <p:nvSpPr>
-          <p:cNvPr id="4" name="Slide Number Placeholder 3"/>
-          <p:cNvSpPr>
-            <a:spLocks noGrp="1"/>
-          </p:cNvSpPr>
-          <p:nvPr>
-            <p:ph type="sldNum" sz="quarter" idx="10"/>
-          </p:nvPr>
-        </p:nvSpPr>
-        <p:spPr/>
-        <p:txBody>
-          <a:bodyPr/>
-          <a:lstStyle/>
-          <a:p>
-            <a:pPr>
-              <a:defRPr/>
-            </a:pPr>
-            <a:fld id="{547F3CAF-32BF-49A6-93F1-59C9E4B7C957}" type="slidenum">
-              <a:rPr lang="en-US" altLang="en-US" smtClean="0"/>
-            </a:fld>
-            <a:endParaRPr lang="en-US" altLang="en-US" dirty="0"/>
-          </a:p>
-        </p:txBody>
-      </p:sp>
-    </p:spTree>
-  </p:cSld>
-  <p:clrMapOvr>
-    <a:masterClrMapping/>
-  </p:clrMapOvr>
-</p:sld>
-</file>
-
-<file path=ppt/slides/slide12.xml><?xml version="1.0" encoding="utf-8"?>
-<p:sld xmlns:a="http://schemas.openxmlformats.org/drawingml/2006/main" xmlns:r="http://schemas.openxmlformats.org/officeDocument/2006/relationships" xmlns:p="http://schemas.openxmlformats.org/presentationml/2006/main">
-  <p:cSld>
-    <p:spTree>
-      <p:nvGrpSpPr>
-        <p:cNvPr id="1" name=""/>
-        <p:cNvGrpSpPr/>
-        <p:nvPr/>
-      </p:nvGrpSpPr>
-      <p:grpSpPr>
-        <a:xfrm>
-          <a:off x="0" y="0"/>
-          <a:ext cx="0" cy="0"/>
-          <a:chOff x="0" y="0"/>
-          <a:chExt cx="0" cy="0"/>
-        </a:xfrm>
-      </p:grpSpPr>
-      <p:sp>
-        <p:nvSpPr>
-          <p:cNvPr id="2" name="object 2"/>
-          <p:cNvSpPr/>
-          <p:nvPr/>
-        </p:nvSpPr>
-        <p:spPr>
-          <a:xfrm>
-            <a:off x="0" y="0"/>
-            <a:ext cx="9144000" cy="6858000"/>
-          </a:xfrm>
-          <a:custGeom>
-            <a:avLst/>
-            <a:gdLst/>
-            <a:ahLst/>
-            <a:cxnLst/>
-            <a:rect l="l" t="t" r="r" b="b"/>
-            <a:pathLst>
-              <a:path w="5760085" h="3240405">
-                <a:moveTo>
-                  <a:pt x="5759996" y="0"/>
-                </a:moveTo>
-                <a:lnTo>
-                  <a:pt x="0" y="0"/>
-                </a:lnTo>
-                <a:lnTo>
-                  <a:pt x="0" y="3239998"/>
-                </a:lnTo>
-                <a:lnTo>
-                  <a:pt x="5759996" y="3239998"/>
-                </a:lnTo>
-                <a:lnTo>
-                  <a:pt x="5759996" y="0"/>
-                </a:lnTo>
-                <a:close/>
-              </a:path>
-            </a:pathLst>
-          </a:custGeom>
-          <a:solidFill>
-            <a:srgbClr val="0054A0"/>
-          </a:solidFill>
-        </p:spPr>
-        <p:txBody>
-          <a:bodyPr wrap="square" lIns="0" tIns="0" rIns="0" bIns="0" rtlCol="0"/>
-          <a:lstStyle/>
-          <a:p>
-            <a:endParaRPr sz="2535"/>
-          </a:p>
-        </p:txBody>
-      </p:sp>
-      <p:pic>
-        <p:nvPicPr>
-          <p:cNvPr id="3" name="object 3"/>
-          <p:cNvPicPr/>
-          <p:nvPr/>
-        </p:nvPicPr>
-        <p:blipFill>
-          <a:blip r:embed="rId1" cstate="print"/>
-          <a:stretch>
-            <a:fillRect/>
-          </a:stretch>
-        </p:blipFill>
-        <p:spPr>
-          <a:xfrm>
-            <a:off x="6435597" y="346486"/>
-            <a:ext cx="2492957" cy="488217"/>
-          </a:xfrm>
-          <a:prstGeom prst="rect">
-            <a:avLst/>
-          </a:prstGeom>
-        </p:spPr>
-      </p:pic>
-      <p:sp>
-        <p:nvSpPr>
-          <p:cNvPr id="4" name="object 4"/>
-          <p:cNvSpPr txBox="1"/>
-          <p:nvPr/>
-        </p:nvSpPr>
-        <p:spPr>
-          <a:xfrm>
-            <a:off x="3853912" y="3160315"/>
-            <a:ext cx="1427995" cy="881151"/>
-          </a:xfrm>
-          <a:prstGeom prst="rect">
-            <a:avLst/>
-          </a:prstGeom>
-        </p:spPr>
-        <p:txBody>
-          <a:bodyPr vert="horz" wrap="square" lIns="0" tIns="27190" rIns="0" bIns="0" rtlCol="0">
-            <a:spAutoFit/>
-          </a:bodyPr>
-          <a:lstStyle/>
-          <a:p>
-            <a:pPr algn="ctr">
-              <a:spcBef>
-                <a:spcPts val="215"/>
-              </a:spcBef>
-            </a:pPr>
-            <a:r>
-              <a:rPr sz="2220" spc="-40" dirty="0">
-                <a:solidFill>
-                  <a:srgbClr val="FFFFFF"/>
-                </a:solidFill>
-                <a:latin typeface="Arial" panose="020B0604020202090204"/>
-                <a:cs typeface="Arial" panose="020B0604020202090204"/>
-              </a:rPr>
-              <a:t>FIN</a:t>
-            </a:r>
-            <a:endParaRPr sz="2220" dirty="0">
-              <a:latin typeface="Arial" panose="020B0604020202090204"/>
-              <a:cs typeface="Arial" panose="020B0604020202090204"/>
-            </a:endParaRPr>
-          </a:p>
-          <a:p>
-            <a:pPr algn="ctr">
-              <a:spcBef>
-                <a:spcPts val="1855"/>
-              </a:spcBef>
-            </a:pPr>
-            <a:r>
-              <a:rPr sz="1745" dirty="0">
-                <a:solidFill>
-                  <a:srgbClr val="FFFFFF"/>
-                </a:solidFill>
-                <a:latin typeface="Arial" panose="020B0604020202090204"/>
-                <a:cs typeface="Arial" panose="020B0604020202090204"/>
-              </a:rPr>
-              <a:t>Any</a:t>
-            </a:r>
-            <a:r>
-              <a:rPr sz="1745" spc="-95" dirty="0">
-                <a:solidFill>
-                  <a:srgbClr val="FFFFFF"/>
-                </a:solidFill>
-                <a:latin typeface="Arial" panose="020B0604020202090204"/>
-                <a:cs typeface="Arial" panose="020B0604020202090204"/>
-              </a:rPr>
-              <a:t> </a:t>
-            </a:r>
-            <a:r>
-              <a:rPr sz="1745" spc="-79" dirty="0">
-                <a:solidFill>
-                  <a:srgbClr val="FFFFFF"/>
-                </a:solidFill>
-                <a:latin typeface="Arial" panose="020B0604020202090204"/>
-                <a:cs typeface="Arial" panose="020B0604020202090204"/>
-              </a:rPr>
-              <a:t>questions?</a:t>
-            </a:r>
-            <a:endParaRPr sz="1745" dirty="0">
-              <a:latin typeface="Arial" panose="020B0604020202090204"/>
-              <a:cs typeface="Arial" panose="020B0604020202090204"/>
-            </a:endParaRPr>
-          </a:p>
-        </p:txBody>
-      </p:sp>
-    </p:spTree>
-  </p:cSld>
-  <p:clrMapOvr>
-    <a:masterClrMapping/>
-  </p:clrMapOvr>
-  <p:transition>
-    <p:cut/>
-  </p:transition>
-</p:sld>
-</file>
-
 <file path=ppt/slides/slide2.xml><?xml version="1.0" encoding="utf-8"?>
 <p:sld xmlns:a="http://schemas.openxmlformats.org/drawingml/2006/main" xmlns:r="http://schemas.openxmlformats.org/officeDocument/2006/relationships" xmlns:p="http://schemas.openxmlformats.org/presentationml/2006/main">
   <p:cSld>
@@ -6725,212 +5997,6 @@
       </p:grpSpPr>
       <p:sp>
         <p:nvSpPr>
-          <p:cNvPr id="4" name="Slide Number Placeholder 3"/>
-          <p:cNvSpPr>
-            <a:spLocks noGrp="1"/>
-          </p:cNvSpPr>
-          <p:nvPr>
-            <p:ph type="sldNum" sz="quarter" idx="10"/>
-          </p:nvPr>
-        </p:nvSpPr>
-        <p:spPr/>
-        <p:txBody>
-          <a:bodyPr/>
-          <a:lstStyle/>
-          <a:p>
-            <a:pPr>
-              <a:defRPr/>
-            </a:pPr>
-            <a:fld id="{547F3CAF-32BF-49A6-93F1-59C9E4B7C957}" type="slidenum">
-              <a:rPr lang="en-US" altLang="en-US" smtClean="0"/>
-            </a:fld>
-            <a:endParaRPr lang="en-US" altLang="en-US" dirty="0"/>
-          </a:p>
-        </p:txBody>
-      </p:sp>
-      <p:pic>
-        <p:nvPicPr>
-          <p:cNvPr id="2" name="图片 1"/>
-          <p:cNvPicPr>
-            <a:picLocks noChangeAspect="1"/>
-          </p:cNvPicPr>
-          <p:nvPr/>
-        </p:nvPicPr>
-        <p:blipFill>
-          <a:blip r:embed="rId1"/>
-          <a:stretch>
-            <a:fillRect/>
-          </a:stretch>
-        </p:blipFill>
-        <p:spPr>
-          <a:xfrm>
-            <a:off x="463550" y="717550"/>
-            <a:ext cx="8216900" cy="5422900"/>
-          </a:xfrm>
-          <a:prstGeom prst="rect">
-            <a:avLst/>
-          </a:prstGeom>
-        </p:spPr>
-      </p:pic>
-    </p:spTree>
-  </p:cSld>
-  <p:clrMapOvr>
-    <a:masterClrMapping/>
-  </p:clrMapOvr>
-</p:sld>
-</file>
-
-<file path=ppt/slides/slide6.xml><?xml version="1.0" encoding="utf-8"?>
-<p:sld xmlns:a="http://schemas.openxmlformats.org/drawingml/2006/main" xmlns:r="http://schemas.openxmlformats.org/officeDocument/2006/relationships" xmlns:p="http://schemas.openxmlformats.org/presentationml/2006/main">
-  <p:cSld>
-    <p:spTree>
-      <p:nvGrpSpPr>
-        <p:cNvPr id="1" name=""/>
-        <p:cNvGrpSpPr/>
-        <p:nvPr/>
-      </p:nvGrpSpPr>
-      <p:grpSpPr/>
-      <p:sp>
-        <p:nvSpPr>
-          <p:cNvPr id="4" name="灯片编号占位符 3"/>
-          <p:cNvSpPr>
-            <a:spLocks noGrp="1"/>
-          </p:cNvSpPr>
-          <p:nvPr>
-            <p:ph type="sldNum" sz="quarter" idx="10"/>
-          </p:nvPr>
-        </p:nvSpPr>
-        <p:spPr/>
-        <p:txBody>
-          <a:bodyPr/>
-          <a:p>
-            <a:pPr>
-              <a:defRPr/>
-            </a:pPr>
-            <a:fld id="{547F3CAF-32BF-49A6-93F1-59C9E4B7C957}" type="slidenum">
-              <a:rPr lang="en-US" altLang="en-US" smtClean="0"/>
-            </a:fld>
-            <a:endParaRPr lang="en-US" altLang="en-US" dirty="0"/>
-          </a:p>
-        </p:txBody>
-      </p:sp>
-      <p:pic>
-        <p:nvPicPr>
-          <p:cNvPr id="5" name="图片 4"/>
-          <p:cNvPicPr>
-            <a:picLocks noChangeAspect="1"/>
-          </p:cNvPicPr>
-          <p:nvPr/>
-        </p:nvPicPr>
-        <p:blipFill>
-          <a:blip r:embed="rId1"/>
-          <a:stretch>
-            <a:fillRect/>
-          </a:stretch>
-        </p:blipFill>
-        <p:spPr>
-          <a:xfrm>
-            <a:off x="463550" y="717550"/>
-            <a:ext cx="8216900" cy="5422900"/>
-          </a:xfrm>
-          <a:prstGeom prst="rect">
-            <a:avLst/>
-          </a:prstGeom>
-        </p:spPr>
-      </p:pic>
-    </p:spTree>
-  </p:cSld>
-  <p:clrMapOvr>
-    <a:masterClrMapping/>
-  </p:clrMapOvr>
-</p:sld>
-</file>
-
-<file path=ppt/slides/slide7.xml><?xml version="1.0" encoding="utf-8"?>
-<p:sld xmlns:a="http://schemas.openxmlformats.org/drawingml/2006/main" xmlns:r="http://schemas.openxmlformats.org/officeDocument/2006/relationships" xmlns:p="http://schemas.openxmlformats.org/presentationml/2006/main">
-  <p:cSld>
-    <p:spTree>
-      <p:nvGrpSpPr>
-        <p:cNvPr id="1" name=""/>
-        <p:cNvGrpSpPr/>
-        <p:nvPr/>
-      </p:nvGrpSpPr>
-      <p:grpSpPr/>
-      <p:sp>
-        <p:nvSpPr>
-          <p:cNvPr id="4" name="灯片编号占位符 3"/>
-          <p:cNvSpPr>
-            <a:spLocks noGrp="1"/>
-          </p:cNvSpPr>
-          <p:nvPr>
-            <p:ph type="sldNum" sz="quarter" idx="10"/>
-          </p:nvPr>
-        </p:nvSpPr>
-        <p:spPr/>
-        <p:txBody>
-          <a:bodyPr/>
-          <a:p>
-            <a:pPr>
-              <a:defRPr/>
-            </a:pPr>
-            <a:fld id="{547F3CAF-32BF-49A6-93F1-59C9E4B7C957}" type="slidenum">
-              <a:rPr lang="en-US" altLang="en-US" smtClean="0"/>
-            </a:fld>
-            <a:endParaRPr lang="en-US" altLang="en-US" dirty="0"/>
-          </a:p>
-        </p:txBody>
-      </p:sp>
-      <p:pic>
-        <p:nvPicPr>
-          <p:cNvPr id="2" name="图片 1"/>
-          <p:cNvPicPr>
-            <a:picLocks noChangeAspect="1"/>
-          </p:cNvPicPr>
-          <p:nvPr/>
-        </p:nvPicPr>
-        <p:blipFill>
-          <a:blip r:embed="rId1"/>
-          <a:stretch>
-            <a:fillRect/>
-          </a:stretch>
-        </p:blipFill>
-        <p:spPr>
-          <a:xfrm>
-            <a:off x="463550" y="717550"/>
-            <a:ext cx="8216900" cy="5422900"/>
-          </a:xfrm>
-          <a:prstGeom prst="rect">
-            <a:avLst/>
-          </a:prstGeom>
-        </p:spPr>
-      </p:pic>
-    </p:spTree>
-  </p:cSld>
-  <p:clrMapOvr>
-    <a:masterClrMapping/>
-  </p:clrMapOvr>
-</p:sld>
-</file>
-
-<file path=ppt/slides/slide8.xml><?xml version="1.0" encoding="utf-8"?>
-<p:sld xmlns:a="http://schemas.openxmlformats.org/drawingml/2006/main" xmlns:r="http://schemas.openxmlformats.org/officeDocument/2006/relationships" xmlns:p="http://schemas.openxmlformats.org/presentationml/2006/main">
-  <p:cSld>
-    <p:spTree>
-      <p:nvGrpSpPr>
-        <p:cNvPr id="1" name=""/>
-        <p:cNvGrpSpPr/>
-        <p:nvPr/>
-      </p:nvGrpSpPr>
-      <p:grpSpPr>
-        <a:xfrm>
-          <a:off x="0" y="0"/>
-          <a:ext cx="0" cy="0"/>
-          <a:chOff x="0" y="0"/>
-          <a:chExt cx="0" cy="0"/>
-        </a:xfrm>
-      </p:grpSpPr>
-      <p:sp>
-        <p:nvSpPr>
           <p:cNvPr id="2" name="Title 1"/>
           <p:cNvSpPr>
             <a:spLocks noGrp="1"/>
@@ -7083,7 +6149,7 @@
 </p:sld>
 </file>
 
-<file path=ppt/slides/slide9.xml><?xml version="1.0" encoding="utf-8"?>
+<file path=ppt/slides/slide6.xml><?xml version="1.0" encoding="utf-8"?>
 <p:sld xmlns:a="http://schemas.openxmlformats.org/drawingml/2006/main" xmlns:r="http://schemas.openxmlformats.org/officeDocument/2006/relationships" xmlns:p="http://schemas.openxmlformats.org/presentationml/2006/main">
   <p:cSld>
     <p:spTree>
@@ -7221,6 +6287,447 @@
   <p:clrMapOvr>
     <a:masterClrMapping/>
   </p:clrMapOvr>
+</p:sld>
+</file>
+
+<file path=ppt/slides/slide7.xml><?xml version="1.0" encoding="utf-8"?>
+<p:sld xmlns:a="http://schemas.openxmlformats.org/drawingml/2006/main" xmlns:r="http://schemas.openxmlformats.org/officeDocument/2006/relationships" xmlns:p="http://schemas.openxmlformats.org/presentationml/2006/main">
+  <p:cSld>
+    <p:spTree>
+      <p:nvGrpSpPr>
+        <p:cNvPr id="1" name=""/>
+        <p:cNvGrpSpPr/>
+        <p:nvPr/>
+      </p:nvGrpSpPr>
+      <p:grpSpPr>
+        <a:xfrm>
+          <a:off x="0" y="0"/>
+          <a:ext cx="0" cy="0"/>
+          <a:chOff x="0" y="0"/>
+          <a:chExt cx="0" cy="0"/>
+        </a:xfrm>
+      </p:grpSpPr>
+      <p:sp>
+        <p:nvSpPr>
+          <p:cNvPr id="2" name="Title 1"/>
+          <p:cNvSpPr>
+            <a:spLocks noGrp="1"/>
+          </p:cNvSpPr>
+          <p:nvPr>
+            <p:ph type="title"/>
+          </p:nvPr>
+        </p:nvSpPr>
+        <p:spPr>
+          <a:xfrm>
+            <a:off x="661702" y="586892"/>
+            <a:ext cx="8079391" cy="609600"/>
+          </a:xfrm>
+        </p:spPr>
+        <p:txBody>
+          <a:bodyPr/>
+          <a:lstStyle/>
+          <a:p>
+            <a:pPr algn="ctr"/>
+            <a:r>
+              <a:rPr lang="en-NZ" sz="3600" dirty="0"/>
+              <a:t>Exercises</a:t>
+            </a:r>
+            <a:endParaRPr lang="en-US" sz="3600" dirty="0"/>
+          </a:p>
+        </p:txBody>
+      </p:sp>
+      <p:sp>
+        <p:nvSpPr>
+          <p:cNvPr id="3" name="Content Placeholder 2"/>
+          <p:cNvSpPr>
+            <a:spLocks noGrp="1"/>
+          </p:cNvSpPr>
+          <p:nvPr>
+            <p:ph idx="1"/>
+          </p:nvPr>
+        </p:nvSpPr>
+        <p:spPr/>
+        <p:txBody>
+          <a:bodyPr/>
+          <a:lstStyle/>
+          <a:p>
+            <a:pPr marL="0" indent="0" algn="l">
+              <a:buNone/>
+            </a:pPr>
+            <a:r>
+              <a:rPr lang="en-US" altLang="zh-CN" sz="2400" dirty="0">
+                <a:latin typeface="+mj-lt"/>
+              </a:rPr>
+              <a:t>3. Show how to define a view</a:t>
+            </a:r>
+            <a:r>
+              <a:rPr lang="en-US" altLang="zh-CN" sz="2400" i="1" dirty="0">
+                <a:latin typeface="Helvetica Oblique" charset="0"/>
+                <a:cs typeface="Helvetica Oblique" charset="0"/>
+              </a:rPr>
+              <a:t> tot_credits (year, num credits)</a:t>
+            </a:r>
+            <a:r>
+              <a:rPr lang="en-US" altLang="zh-CN" sz="2400" dirty="0">
+                <a:latin typeface="+mj-lt"/>
+              </a:rPr>
+              <a:t>, giving the total number of credits taken in each year.</a:t>
+            </a:r>
+            <a:endParaRPr lang="en-US" altLang="zh-CN" sz="2400" dirty="0">
+              <a:latin typeface="+mj-lt"/>
+            </a:endParaRPr>
+          </a:p>
+        </p:txBody>
+      </p:sp>
+      <p:sp>
+        <p:nvSpPr>
+          <p:cNvPr id="4" name="Slide Number Placeholder 3"/>
+          <p:cNvSpPr>
+            <a:spLocks noGrp="1"/>
+          </p:cNvSpPr>
+          <p:nvPr>
+            <p:ph type="sldNum" sz="quarter" idx="10"/>
+          </p:nvPr>
+        </p:nvSpPr>
+        <p:spPr/>
+        <p:txBody>
+          <a:bodyPr/>
+          <a:lstStyle/>
+          <a:p>
+            <a:pPr>
+              <a:defRPr/>
+            </a:pPr>
+            <a:fld id="{547F3CAF-32BF-49A6-93F1-59C9E4B7C957}" type="slidenum">
+              <a:rPr lang="en-US" altLang="en-US" smtClean="0"/>
+            </a:fld>
+            <a:endParaRPr lang="en-US" altLang="en-US" dirty="0"/>
+          </a:p>
+        </p:txBody>
+      </p:sp>
+    </p:spTree>
+  </p:cSld>
+  <p:clrMapOvr>
+    <a:masterClrMapping/>
+  </p:clrMapOvr>
+</p:sld>
+</file>
+
+<file path=ppt/slides/slide8.xml><?xml version="1.0" encoding="utf-8"?>
+<p:sld xmlns:a="http://schemas.openxmlformats.org/drawingml/2006/main" xmlns:r="http://schemas.openxmlformats.org/officeDocument/2006/relationships" xmlns:p="http://schemas.openxmlformats.org/presentationml/2006/main">
+  <p:cSld>
+    <p:spTree>
+      <p:nvGrpSpPr>
+        <p:cNvPr id="1" name=""/>
+        <p:cNvGrpSpPr/>
+        <p:nvPr/>
+      </p:nvGrpSpPr>
+      <p:grpSpPr>
+        <a:xfrm>
+          <a:off x="0" y="0"/>
+          <a:ext cx="0" cy="0"/>
+          <a:chOff x="0" y="0"/>
+          <a:chExt cx="0" cy="0"/>
+        </a:xfrm>
+      </p:grpSpPr>
+      <p:sp>
+        <p:nvSpPr>
+          <p:cNvPr id="2" name="Title 1"/>
+          <p:cNvSpPr>
+            <a:spLocks noGrp="1"/>
+          </p:cNvSpPr>
+          <p:nvPr>
+            <p:ph type="title"/>
+          </p:nvPr>
+        </p:nvSpPr>
+        <p:spPr>
+          <a:xfrm>
+            <a:off x="661702" y="586892"/>
+            <a:ext cx="8079391" cy="609600"/>
+          </a:xfrm>
+        </p:spPr>
+        <p:txBody>
+          <a:bodyPr/>
+          <a:lstStyle/>
+          <a:p>
+            <a:pPr algn="ctr"/>
+            <a:r>
+              <a:rPr lang="en-NZ" sz="3600" dirty="0"/>
+              <a:t>Exercises</a:t>
+            </a:r>
+            <a:endParaRPr lang="en-US" sz="3600" dirty="0"/>
+          </a:p>
+        </p:txBody>
+      </p:sp>
+      <p:sp>
+        <p:nvSpPr>
+          <p:cNvPr id="3" name="Content Placeholder 2"/>
+          <p:cNvSpPr>
+            <a:spLocks noGrp="1"/>
+          </p:cNvSpPr>
+          <p:nvPr>
+            <p:ph idx="1"/>
+          </p:nvPr>
+        </p:nvSpPr>
+        <p:spPr/>
+        <p:txBody>
+          <a:bodyPr/>
+          <a:lstStyle/>
+          <a:p>
+            <a:pPr marL="0" indent="0" algn="l">
+              <a:buNone/>
+            </a:pPr>
+            <a:r>
+              <a:rPr lang="en-US" altLang="zh-CN" sz="2400" dirty="0">
+                <a:latin typeface="+mj-lt"/>
+              </a:rPr>
+              <a:t>4. Given a relation S</a:t>
+            </a:r>
+            <a:r>
+              <a:rPr lang="en-US" altLang="zh-CN" sz="2400" i="1" dirty="0">
+                <a:latin typeface="Helvetica Oblique" charset="0"/>
+                <a:cs typeface="Helvetica Oblique" charset="0"/>
+              </a:rPr>
+              <a:t>(student, subject, marks)</a:t>
+            </a:r>
+            <a:r>
+              <a:rPr lang="en-US" altLang="zh-CN" sz="2400" dirty="0">
+                <a:latin typeface="+mj-lt"/>
+              </a:rPr>
+              <a:t>, write a query to find the top 10 students by total marks, by using </a:t>
+            </a:r>
+            <a:r>
+              <a:rPr lang="en-US" altLang="zh-CN" sz="2400" b="1" dirty="0">
+                <a:latin typeface="Helvetica Bold" charset="0"/>
+                <a:cs typeface="Helvetica Bold" charset="0"/>
+              </a:rPr>
+              <a:t>SQL ranking</a:t>
+            </a:r>
+            <a:r>
+              <a:rPr lang="en-US" altLang="zh-CN" sz="2400" dirty="0">
+                <a:latin typeface="+mj-lt"/>
+              </a:rPr>
+              <a:t>. Include all students tied for the final spot in the ranking, even if that results in more than 10 total students.</a:t>
+            </a:r>
+            <a:endParaRPr lang="en-US" altLang="zh-CN" sz="2400" dirty="0">
+              <a:latin typeface="+mj-lt"/>
+            </a:endParaRPr>
+          </a:p>
+        </p:txBody>
+      </p:sp>
+      <p:sp>
+        <p:nvSpPr>
+          <p:cNvPr id="4" name="Slide Number Placeholder 3"/>
+          <p:cNvSpPr>
+            <a:spLocks noGrp="1"/>
+          </p:cNvSpPr>
+          <p:nvPr>
+            <p:ph type="sldNum" sz="quarter" idx="10"/>
+          </p:nvPr>
+        </p:nvSpPr>
+        <p:spPr/>
+        <p:txBody>
+          <a:bodyPr/>
+          <a:lstStyle/>
+          <a:p>
+            <a:pPr>
+              <a:defRPr/>
+            </a:pPr>
+            <a:fld id="{547F3CAF-32BF-49A6-93F1-59C9E4B7C957}" type="slidenum">
+              <a:rPr lang="en-US" altLang="en-US" smtClean="0"/>
+            </a:fld>
+            <a:endParaRPr lang="en-US" altLang="en-US" dirty="0"/>
+          </a:p>
+        </p:txBody>
+      </p:sp>
+    </p:spTree>
+  </p:cSld>
+  <p:clrMapOvr>
+    <a:masterClrMapping/>
+  </p:clrMapOvr>
+</p:sld>
+</file>
+
+<file path=ppt/slides/slide9.xml><?xml version="1.0" encoding="utf-8"?>
+<p:sld xmlns:a="http://schemas.openxmlformats.org/drawingml/2006/main" xmlns:r="http://schemas.openxmlformats.org/officeDocument/2006/relationships" xmlns:p="http://schemas.openxmlformats.org/presentationml/2006/main">
+  <p:cSld>
+    <p:spTree>
+      <p:nvGrpSpPr>
+        <p:cNvPr id="1" name=""/>
+        <p:cNvGrpSpPr/>
+        <p:nvPr/>
+      </p:nvGrpSpPr>
+      <p:grpSpPr>
+        <a:xfrm>
+          <a:off x="0" y="0"/>
+          <a:ext cx="0" cy="0"/>
+          <a:chOff x="0" y="0"/>
+          <a:chExt cx="0" cy="0"/>
+        </a:xfrm>
+      </p:grpSpPr>
+      <p:sp>
+        <p:nvSpPr>
+          <p:cNvPr id="2" name="object 2"/>
+          <p:cNvSpPr/>
+          <p:nvPr/>
+        </p:nvSpPr>
+        <p:spPr>
+          <a:xfrm>
+            <a:off x="0" y="0"/>
+            <a:ext cx="9144000" cy="6858000"/>
+          </a:xfrm>
+          <a:custGeom>
+            <a:avLst/>
+            <a:gdLst/>
+            <a:ahLst/>
+            <a:cxnLst/>
+            <a:rect l="l" t="t" r="r" b="b"/>
+            <a:pathLst>
+              <a:path w="5760085" h="3240405">
+                <a:moveTo>
+                  <a:pt x="5759996" y="0"/>
+                </a:moveTo>
+                <a:lnTo>
+                  <a:pt x="0" y="0"/>
+                </a:lnTo>
+                <a:lnTo>
+                  <a:pt x="0" y="3239998"/>
+                </a:lnTo>
+                <a:lnTo>
+                  <a:pt x="5759996" y="3239998"/>
+                </a:lnTo>
+                <a:lnTo>
+                  <a:pt x="5759996" y="0"/>
+                </a:lnTo>
+                <a:close/>
+              </a:path>
+            </a:pathLst>
+          </a:custGeom>
+          <a:solidFill>
+            <a:srgbClr val="0054A0"/>
+          </a:solidFill>
+        </p:spPr>
+        <p:txBody>
+          <a:bodyPr wrap="square" lIns="0" tIns="0" rIns="0" bIns="0" rtlCol="0"/>
+          <a:lstStyle/>
+          <a:p>
+            <a:endParaRPr sz="2535"/>
+          </a:p>
+        </p:txBody>
+      </p:sp>
+      <p:pic>
+        <p:nvPicPr>
+          <p:cNvPr id="3" name="object 3"/>
+          <p:cNvPicPr/>
+          <p:nvPr/>
+        </p:nvPicPr>
+        <p:blipFill>
+          <a:blip r:embed="rId1" cstate="print"/>
+          <a:stretch>
+            <a:fillRect/>
+          </a:stretch>
+        </p:blipFill>
+        <p:spPr>
+          <a:xfrm>
+            <a:off x="6435597" y="346486"/>
+            <a:ext cx="2492957" cy="488217"/>
+          </a:xfrm>
+          <a:prstGeom prst="rect">
+            <a:avLst/>
+          </a:prstGeom>
+        </p:spPr>
+      </p:pic>
+      <p:sp>
+        <p:nvSpPr>
+          <p:cNvPr id="4" name="object 4"/>
+          <p:cNvSpPr txBox="1"/>
+          <p:nvPr/>
+        </p:nvSpPr>
+        <p:spPr>
+          <a:xfrm>
+            <a:off x="3853912" y="3160315"/>
+            <a:ext cx="1427995" cy="881151"/>
+          </a:xfrm>
+          <a:prstGeom prst="rect">
+            <a:avLst/>
+          </a:prstGeom>
+        </p:spPr>
+        <p:txBody>
+          <a:bodyPr vert="horz" wrap="square" lIns="0" tIns="27190" rIns="0" bIns="0" rtlCol="0">
+            <a:spAutoFit/>
+          </a:bodyPr>
+          <a:lstStyle/>
+          <a:p>
+            <a:pPr algn="ctr">
+              <a:spcBef>
+                <a:spcPts val="215"/>
+              </a:spcBef>
+            </a:pPr>
+            <a:r>
+              <a:rPr sz="2220" spc="-40" dirty="0">
+                <a:solidFill>
+                  <a:srgbClr val="FFFFFF"/>
+                </a:solidFill>
+                <a:latin typeface="Arial" panose="020B0604020202090204"/>
+                <a:cs typeface="Arial" panose="020B0604020202090204"/>
+              </a:rPr>
+              <a:t>FIN</a:t>
+            </a:r>
+            <a:endParaRPr sz="2220" dirty="0">
+              <a:latin typeface="Arial" panose="020B0604020202090204"/>
+              <a:cs typeface="Arial" panose="020B0604020202090204"/>
+            </a:endParaRPr>
+          </a:p>
+          <a:p>
+            <a:pPr algn="ctr">
+              <a:spcBef>
+                <a:spcPts val="1855"/>
+              </a:spcBef>
+            </a:pPr>
+            <a:r>
+              <a:rPr sz="1745" dirty="0">
+                <a:solidFill>
+                  <a:srgbClr val="FFFFFF"/>
+                </a:solidFill>
+                <a:latin typeface="Arial" panose="020B0604020202090204"/>
+                <a:cs typeface="Arial" panose="020B0604020202090204"/>
+              </a:rPr>
+              <a:t>Any</a:t>
+            </a:r>
+            <a:r>
+              <a:rPr sz="1745" spc="-95" dirty="0">
+                <a:solidFill>
+                  <a:srgbClr val="FFFFFF"/>
+                </a:solidFill>
+                <a:latin typeface="Arial" panose="020B0604020202090204"/>
+                <a:cs typeface="Arial" panose="020B0604020202090204"/>
+              </a:rPr>
+              <a:t> </a:t>
+            </a:r>
+            <a:r>
+              <a:rPr sz="1745" spc="-79" dirty="0">
+                <a:solidFill>
+                  <a:srgbClr val="FFFFFF"/>
+                </a:solidFill>
+                <a:latin typeface="Arial" panose="020B0604020202090204"/>
+                <a:cs typeface="Arial" panose="020B0604020202090204"/>
+              </a:rPr>
+              <a:t>questions?</a:t>
+            </a:r>
+            <a:endParaRPr sz="1745" dirty="0">
+              <a:latin typeface="Arial" panose="020B0604020202090204"/>
+              <a:cs typeface="Arial" panose="020B0604020202090204"/>
+            </a:endParaRPr>
+          </a:p>
+        </p:txBody>
+      </p:sp>
+    </p:spTree>
+  </p:cSld>
+  <p:clrMapOvr>
+    <a:masterClrMapping/>
+  </p:clrMapOvr>
+  <p:transition>
+    <p:cut/>
+  </p:transition>
 </p:sld>
 </file>
 

--- a/week_3/week_3.pptx
+++ b/week_3/week_3.pptx
@@ -8,7 +8,7 @@
     <p:notesMasterId r:id="rId4"/>
   </p:notesMasterIdLst>
   <p:handoutMasterIdLst>
-    <p:handoutMasterId r:id="rId13"/>
+    <p:handoutMasterId r:id="rId17"/>
   </p:handoutMasterIdLst>
   <p:sldIdLst>
     <p:sldId id="335" r:id="rId3"/>
@@ -19,7 +19,11 @@
     <p:sldId id="355" r:id="rId9"/>
     <p:sldId id="354" r:id="rId10"/>
     <p:sldId id="353" r:id="rId11"/>
-    <p:sldId id="289" r:id="rId12"/>
+    <p:sldId id="361" r:id="rId12"/>
+    <p:sldId id="362" r:id="rId13"/>
+    <p:sldId id="363" r:id="rId14"/>
+    <p:sldId id="364" r:id="rId15"/>
+    <p:sldId id="289" r:id="rId16"/>
   </p:sldIdLst>
   <p:sldSz cx="9144000" cy="6858000" type="screen4x3"/>
   <p:notesSz cx="6997700" cy="9283700"/>
@@ -1052,6 +1056,351 @@
             <a:endParaRPr lang="en-US" altLang="en-US" dirty="0">
               <a:latin typeface="Times New Roman" panose="02020503050405090304" pitchFamily="18" charset="0"/>
             </a:endParaRPr>
+          </a:p>
+        </p:txBody>
+      </p:sp>
+    </p:spTree>
+  </p:cSld>
+  <p:clrMapOvr>
+    <a:masterClrMapping/>
+  </p:clrMapOvr>
+</p:notes>
+</file>
+
+<file path=ppt/notesSlides/notesSlide10.xml><?xml version="1.0" encoding="utf-8"?>
+<p:notes xmlns:a="http://schemas.openxmlformats.org/drawingml/2006/main" xmlns:r="http://schemas.openxmlformats.org/officeDocument/2006/relationships" xmlns:p="http://schemas.openxmlformats.org/presentationml/2006/main">
+  <p:cSld>
+    <p:spTree>
+      <p:nvGrpSpPr>
+        <p:cNvPr id="1" name=""/>
+        <p:cNvGrpSpPr/>
+        <p:nvPr/>
+      </p:nvGrpSpPr>
+      <p:grpSpPr>
+        <a:xfrm>
+          <a:off x="0" y="0"/>
+          <a:ext cx="0" cy="0"/>
+          <a:chOff x="0" y="0"/>
+          <a:chExt cx="0" cy="0"/>
+        </a:xfrm>
+      </p:grpSpPr>
+      <p:sp>
+        <p:nvSpPr>
+          <p:cNvPr id="2" name="Slide Image Placeholder 1"/>
+          <p:cNvSpPr>
+            <a:spLocks noGrp="1" noRot="1" noChangeAspect="1"/>
+          </p:cNvSpPr>
+          <p:nvPr>
+            <p:ph type="sldImg"/>
+          </p:nvPr>
+        </p:nvSpPr>
+        <p:spPr/>
+      </p:sp>
+      <p:sp>
+        <p:nvSpPr>
+          <p:cNvPr id="3" name="Notes Placeholder 2"/>
+          <p:cNvSpPr>
+            <a:spLocks noGrp="1"/>
+          </p:cNvSpPr>
+          <p:nvPr>
+            <p:ph type="body" idx="1"/>
+          </p:nvPr>
+        </p:nvSpPr>
+        <p:spPr/>
+        <p:txBody>
+          <a:bodyPr/>
+          <a:lstStyle/>
+          <a:p>
+            <a:pPr algn="l"/>
+            <a:r>
+              <a:rPr lang="en-US" altLang="zh-CN" dirty="0"/>
+              <a:t>select ID</a:t>
+            </a:r>
+            <a:endParaRPr lang="en-US" altLang="zh-CN" dirty="0"/>
+          </a:p>
+          <a:p>
+            <a:pPr algn="l"/>
+            <a:r>
+              <a:rPr lang="en-US" altLang="zh-CN" dirty="0"/>
+              <a:t>from student left outer join advisor on ID= s id</a:t>
+            </a:r>
+            <a:endParaRPr lang="en-US" altLang="zh-CN" dirty="0"/>
+          </a:p>
+          <a:p>
+            <a:pPr algn="l"/>
+            <a:r>
+              <a:rPr lang="en-US" altLang="zh-CN" dirty="0"/>
+              <a:t>where i ID is null;</a:t>
+            </a:r>
+            <a:endParaRPr lang="en-US" altLang="zh-CN" dirty="0"/>
+          </a:p>
+        </p:txBody>
+      </p:sp>
+      <p:sp>
+        <p:nvSpPr>
+          <p:cNvPr id="4" name="Slide Number Placeholder 3"/>
+          <p:cNvSpPr>
+            <a:spLocks noGrp="1"/>
+          </p:cNvSpPr>
+          <p:nvPr>
+            <p:ph type="sldNum" sz="quarter" idx="5"/>
+          </p:nvPr>
+        </p:nvSpPr>
+        <p:spPr/>
+        <p:txBody>
+          <a:bodyPr/>
+          <a:lstStyle/>
+          <a:p>
+            <a:pPr>
+              <a:defRPr/>
+            </a:pPr>
+            <a:fld id="{AE66C03C-4B0E-4149-8287-A3B340EB818D}" type="slidenum">
+              <a:rPr lang="en-US" altLang="en-US" smtClean="0"/>
+            </a:fld>
+            <a:endParaRPr lang="en-US" altLang="en-US"/>
+          </a:p>
+        </p:txBody>
+      </p:sp>
+    </p:spTree>
+  </p:cSld>
+  <p:clrMapOvr>
+    <a:masterClrMapping/>
+  </p:clrMapOvr>
+</p:notes>
+</file>
+
+<file path=ppt/notesSlides/notesSlide11.xml><?xml version="1.0" encoding="utf-8"?>
+<p:notes xmlns:a="http://schemas.openxmlformats.org/drawingml/2006/main" xmlns:r="http://schemas.openxmlformats.org/officeDocument/2006/relationships" xmlns:p="http://schemas.openxmlformats.org/presentationml/2006/main">
+  <p:cSld>
+    <p:spTree>
+      <p:nvGrpSpPr>
+        <p:cNvPr id="1" name=""/>
+        <p:cNvGrpSpPr/>
+        <p:nvPr/>
+      </p:nvGrpSpPr>
+      <p:grpSpPr>
+        <a:xfrm>
+          <a:off x="0" y="0"/>
+          <a:ext cx="0" cy="0"/>
+          <a:chOff x="0" y="0"/>
+          <a:chExt cx="0" cy="0"/>
+        </a:xfrm>
+      </p:grpSpPr>
+      <p:sp>
+        <p:nvSpPr>
+          <p:cNvPr id="2" name="Slide Image Placeholder 1"/>
+          <p:cNvSpPr>
+            <a:spLocks noGrp="1" noRot="1" noChangeAspect="1"/>
+          </p:cNvSpPr>
+          <p:nvPr>
+            <p:ph type="sldImg"/>
+          </p:nvPr>
+        </p:nvSpPr>
+        <p:spPr/>
+      </p:sp>
+      <p:sp>
+        <p:nvSpPr>
+          <p:cNvPr id="3" name="Notes Placeholder 2"/>
+          <p:cNvSpPr>
+            <a:spLocks noGrp="1"/>
+          </p:cNvSpPr>
+          <p:nvPr>
+            <p:ph type="body" idx="1"/>
+          </p:nvPr>
+        </p:nvSpPr>
+        <p:spPr/>
+        <p:txBody>
+          <a:bodyPr/>
+          <a:lstStyle/>
+          <a:p>
+            <a:endParaRPr lang="en-US" dirty="0"/>
+          </a:p>
+        </p:txBody>
+      </p:sp>
+      <p:sp>
+        <p:nvSpPr>
+          <p:cNvPr id="4" name="Slide Number Placeholder 3"/>
+          <p:cNvSpPr>
+            <a:spLocks noGrp="1"/>
+          </p:cNvSpPr>
+          <p:nvPr>
+            <p:ph type="sldNum" sz="quarter" idx="5"/>
+          </p:nvPr>
+        </p:nvSpPr>
+        <p:spPr/>
+        <p:txBody>
+          <a:bodyPr/>
+          <a:lstStyle/>
+          <a:p>
+            <a:pPr>
+              <a:defRPr/>
+            </a:pPr>
+            <a:fld id="{AE66C03C-4B0E-4149-8287-A3B340EB818D}" type="slidenum">
+              <a:rPr lang="en-US" altLang="en-US" smtClean="0"/>
+            </a:fld>
+            <a:endParaRPr lang="en-US" altLang="en-US"/>
+          </a:p>
+        </p:txBody>
+      </p:sp>
+    </p:spTree>
+  </p:cSld>
+  <p:clrMapOvr>
+    <a:masterClrMapping/>
+  </p:clrMapOvr>
+</p:notes>
+</file>
+
+<file path=ppt/notesSlides/notesSlide12.xml><?xml version="1.0" encoding="utf-8"?>
+<p:notes xmlns:a="http://schemas.openxmlformats.org/drawingml/2006/main" xmlns:r="http://schemas.openxmlformats.org/officeDocument/2006/relationships" xmlns:p="http://schemas.openxmlformats.org/presentationml/2006/main">
+  <p:cSld>
+    <p:spTree>
+      <p:nvGrpSpPr>
+        <p:cNvPr id="1" name=""/>
+        <p:cNvGrpSpPr/>
+        <p:nvPr/>
+      </p:nvGrpSpPr>
+      <p:grpSpPr>
+        <a:xfrm>
+          <a:off x="0" y="0"/>
+          <a:ext cx="0" cy="0"/>
+          <a:chOff x="0" y="0"/>
+          <a:chExt cx="0" cy="0"/>
+        </a:xfrm>
+      </p:grpSpPr>
+      <p:sp>
+        <p:nvSpPr>
+          <p:cNvPr id="2" name="Slide Image Placeholder 1"/>
+          <p:cNvSpPr>
+            <a:spLocks noGrp="1" noRot="1" noChangeAspect="1"/>
+          </p:cNvSpPr>
+          <p:nvPr>
+            <p:ph type="sldImg"/>
+          </p:nvPr>
+        </p:nvSpPr>
+        <p:spPr/>
+      </p:sp>
+      <p:sp>
+        <p:nvSpPr>
+          <p:cNvPr id="3" name="Notes Placeholder 2"/>
+          <p:cNvSpPr>
+            <a:spLocks noGrp="1"/>
+          </p:cNvSpPr>
+          <p:nvPr>
+            <p:ph type="body" idx="1"/>
+          </p:nvPr>
+        </p:nvSpPr>
+        <p:spPr/>
+        <p:txBody>
+          <a:bodyPr/>
+          <a:lstStyle/>
+          <a:p>
+            <a:endParaRPr lang="en-US" dirty="0"/>
+          </a:p>
+        </p:txBody>
+      </p:sp>
+      <p:sp>
+        <p:nvSpPr>
+          <p:cNvPr id="4" name="Slide Number Placeholder 3"/>
+          <p:cNvSpPr>
+            <a:spLocks noGrp="1"/>
+          </p:cNvSpPr>
+          <p:nvPr>
+            <p:ph type="sldNum" sz="quarter" idx="5"/>
+          </p:nvPr>
+        </p:nvSpPr>
+        <p:spPr/>
+        <p:txBody>
+          <a:bodyPr/>
+          <a:lstStyle/>
+          <a:p>
+            <a:pPr>
+              <a:defRPr/>
+            </a:pPr>
+            <a:fld id="{AE66C03C-4B0E-4149-8287-A3B340EB818D}" type="slidenum">
+              <a:rPr lang="en-US" altLang="en-US" smtClean="0"/>
+            </a:fld>
+            <a:endParaRPr lang="en-US" altLang="en-US"/>
+          </a:p>
+        </p:txBody>
+      </p:sp>
+    </p:spTree>
+  </p:cSld>
+  <p:clrMapOvr>
+    <a:masterClrMapping/>
+  </p:clrMapOvr>
+</p:notes>
+</file>
+
+<file path=ppt/notesSlides/notesSlide13.xml><?xml version="1.0" encoding="utf-8"?>
+<p:notes xmlns:a="http://schemas.openxmlformats.org/drawingml/2006/main" xmlns:r="http://schemas.openxmlformats.org/officeDocument/2006/relationships" xmlns:p="http://schemas.openxmlformats.org/presentationml/2006/main">
+  <p:cSld>
+    <p:spTree>
+      <p:nvGrpSpPr>
+        <p:cNvPr id="1" name=""/>
+        <p:cNvGrpSpPr/>
+        <p:nvPr/>
+      </p:nvGrpSpPr>
+      <p:grpSpPr>
+        <a:xfrm>
+          <a:off x="0" y="0"/>
+          <a:ext cx="0" cy="0"/>
+          <a:chOff x="0" y="0"/>
+          <a:chExt cx="0" cy="0"/>
+        </a:xfrm>
+      </p:grpSpPr>
+      <p:sp>
+        <p:nvSpPr>
+          <p:cNvPr id="2" name="Slide Image Placeholder 1"/>
+          <p:cNvSpPr>
+            <a:spLocks noGrp="1" noRot="1" noChangeAspect="1"/>
+          </p:cNvSpPr>
+          <p:nvPr>
+            <p:ph type="sldImg"/>
+          </p:nvPr>
+        </p:nvSpPr>
+        <p:spPr/>
+      </p:sp>
+      <p:sp>
+        <p:nvSpPr>
+          <p:cNvPr id="3" name="Notes Placeholder 2"/>
+          <p:cNvSpPr>
+            <a:spLocks noGrp="1"/>
+          </p:cNvSpPr>
+          <p:nvPr>
+            <p:ph type="body" idx="1"/>
+          </p:nvPr>
+        </p:nvSpPr>
+        <p:spPr/>
+        <p:txBody>
+          <a:bodyPr/>
+          <a:lstStyle/>
+          <a:p>
+            <a:endParaRPr lang="en-US" dirty="0"/>
+          </a:p>
+        </p:txBody>
+      </p:sp>
+      <p:sp>
+        <p:nvSpPr>
+          <p:cNvPr id="4" name="Slide Number Placeholder 3"/>
+          <p:cNvSpPr>
+            <a:spLocks noGrp="1"/>
+          </p:cNvSpPr>
+          <p:nvPr>
+            <p:ph type="sldNum" sz="quarter" idx="5"/>
+          </p:nvPr>
+        </p:nvSpPr>
+        <p:spPr/>
+        <p:txBody>
+          <a:bodyPr/>
+          <a:lstStyle/>
+          <a:p>
+            <a:pPr>
+              <a:defRPr/>
+            </a:pPr>
+            <a:fld id="{AE66C03C-4B0E-4149-8287-A3B340EB818D}" type="slidenum">
+              <a:rPr lang="en-US" altLang="en-US" smtClean="0"/>
+            </a:fld>
+            <a:endParaRPr lang="en-US" altLang="en-US"/>
           </a:p>
         </p:txBody>
       </p:sp>
@@ -5447,6 +5796,771 @@
 </p:sld>
 </file>
 
+<file path=ppt/slides/slide10.xml><?xml version="1.0" encoding="utf-8"?>
+<p:sld xmlns:a="http://schemas.openxmlformats.org/drawingml/2006/main" xmlns:r="http://schemas.openxmlformats.org/officeDocument/2006/relationships" xmlns:p="http://schemas.openxmlformats.org/presentationml/2006/main">
+  <p:cSld>
+    <p:spTree>
+      <p:nvGrpSpPr>
+        <p:cNvPr id="1" name=""/>
+        <p:cNvGrpSpPr/>
+        <p:nvPr/>
+      </p:nvGrpSpPr>
+      <p:grpSpPr>
+        <a:xfrm>
+          <a:off x="0" y="0"/>
+          <a:ext cx="0" cy="0"/>
+          <a:chOff x="0" y="0"/>
+          <a:chExt cx="0" cy="0"/>
+        </a:xfrm>
+      </p:grpSpPr>
+      <p:sp>
+        <p:nvSpPr>
+          <p:cNvPr id="3" name="Content Placeholder 2"/>
+          <p:cNvSpPr>
+            <a:spLocks noGrp="1"/>
+          </p:cNvSpPr>
+          <p:nvPr>
+            <p:ph idx="1"/>
+          </p:nvPr>
+        </p:nvSpPr>
+        <p:spPr/>
+        <p:txBody>
+          <a:bodyPr/>
+          <a:lstStyle/>
+          <a:p>
+            <a:pPr marL="0" indent="0" algn="l">
+              <a:buNone/>
+            </a:pPr>
+            <a:r>
+              <a:rPr lang="en-US" altLang="zh-CN" sz="2400" dirty="0">
+                <a:latin typeface="+mj-lt"/>
+              </a:rPr>
+              <a:t>2. Sample Answer: </a:t>
+            </a:r>
+            <a:endParaRPr lang="en-US" altLang="zh-CN" sz="2400" dirty="0">
+              <a:latin typeface="+mj-lt"/>
+            </a:endParaRPr>
+          </a:p>
+        </p:txBody>
+      </p:sp>
+      <p:sp>
+        <p:nvSpPr>
+          <p:cNvPr id="4" name="Slide Number Placeholder 3"/>
+          <p:cNvSpPr>
+            <a:spLocks noGrp="1"/>
+          </p:cNvSpPr>
+          <p:nvPr>
+            <p:ph type="sldNum" sz="quarter" idx="10"/>
+          </p:nvPr>
+        </p:nvSpPr>
+        <p:spPr/>
+        <p:txBody>
+          <a:bodyPr/>
+          <a:lstStyle/>
+          <a:p>
+            <a:pPr>
+              <a:defRPr/>
+            </a:pPr>
+            <a:fld id="{547F3CAF-32BF-49A6-93F1-59C9E4B7C957}" type="slidenum">
+              <a:rPr lang="en-US" altLang="en-US" smtClean="0"/>
+            </a:fld>
+            <a:endParaRPr lang="en-US" altLang="en-US" dirty="0"/>
+          </a:p>
+        </p:txBody>
+      </p:sp>
+      <p:pic>
+        <p:nvPicPr>
+          <p:cNvPr id="5" name="图片 4" descr="截屏2025-03-20 上午8.46.47"/>
+          <p:cNvPicPr>
+            <a:picLocks noChangeAspect="1"/>
+          </p:cNvPicPr>
+          <p:nvPr/>
+        </p:nvPicPr>
+        <p:blipFill>
+          <a:blip r:embed="rId1"/>
+          <a:stretch>
+            <a:fillRect/>
+          </a:stretch>
+        </p:blipFill>
+        <p:spPr>
+          <a:xfrm>
+            <a:off x="1031240" y="2425065"/>
+            <a:ext cx="4248785" cy="2538095"/>
+          </a:xfrm>
+          <a:prstGeom prst="rect">
+            <a:avLst/>
+          </a:prstGeom>
+        </p:spPr>
+      </p:pic>
+      <p:sp>
+        <p:nvSpPr>
+          <p:cNvPr id="8" name="Title 1"/>
+          <p:cNvSpPr>
+            <a:spLocks noGrp="1"/>
+          </p:cNvSpPr>
+          <p:nvPr>
+            <p:ph type="title"/>
+          </p:nvPr>
+        </p:nvSpPr>
+        <p:spPr>
+          <a:xfrm>
+            <a:off x="661702" y="586892"/>
+            <a:ext cx="8079391" cy="609600"/>
+          </a:xfrm>
+        </p:spPr>
+        <p:txBody>
+          <a:bodyPr/>
+          <a:lstStyle/>
+          <a:p>
+            <a:pPr algn="ctr"/>
+            <a:r>
+              <a:rPr lang="en-NZ" sz="3600" dirty="0"/>
+              <a:t>Answers</a:t>
+            </a:r>
+            <a:endParaRPr lang="en-US" sz="3600" dirty="0"/>
+          </a:p>
+        </p:txBody>
+      </p:sp>
+    </p:spTree>
+  </p:cSld>
+  <p:clrMapOvr>
+    <a:masterClrMapping/>
+  </p:clrMapOvr>
+</p:sld>
+</file>
+
+<file path=ppt/slides/slide11.xml><?xml version="1.0" encoding="utf-8"?>
+<p:sld xmlns:a="http://schemas.openxmlformats.org/drawingml/2006/main" xmlns:r="http://schemas.openxmlformats.org/officeDocument/2006/relationships" xmlns:p="http://schemas.openxmlformats.org/presentationml/2006/main">
+  <p:cSld>
+    <p:spTree>
+      <p:nvGrpSpPr>
+        <p:cNvPr id="1" name=""/>
+        <p:cNvGrpSpPr/>
+        <p:nvPr/>
+      </p:nvGrpSpPr>
+      <p:grpSpPr>
+        <a:xfrm>
+          <a:off x="0" y="0"/>
+          <a:ext cx="0" cy="0"/>
+          <a:chOff x="0" y="0"/>
+          <a:chExt cx="0" cy="0"/>
+        </a:xfrm>
+      </p:grpSpPr>
+      <p:sp>
+        <p:nvSpPr>
+          <p:cNvPr id="3" name="Content Placeholder 2"/>
+          <p:cNvSpPr>
+            <a:spLocks noGrp="1"/>
+          </p:cNvSpPr>
+          <p:nvPr>
+            <p:ph idx="1"/>
+          </p:nvPr>
+        </p:nvSpPr>
+        <p:spPr/>
+        <p:txBody>
+          <a:bodyPr/>
+          <a:lstStyle/>
+          <a:p>
+            <a:pPr marL="0" indent="0" algn="l">
+              <a:buNone/>
+            </a:pPr>
+            <a:r>
+              <a:rPr lang="en-US" altLang="zh-CN" sz="2400" dirty="0">
+                <a:latin typeface="+mj-lt"/>
+              </a:rPr>
+              <a:t>3.</a:t>
+            </a:r>
+            <a:r>
+              <a:rPr lang="en-US" altLang="zh-CN" sz="2400" dirty="0">
+                <a:latin typeface="+mj-lt"/>
+                <a:sym typeface="+mn-ea"/>
+              </a:rPr>
+              <a:t> Sample Answer: </a:t>
+            </a:r>
+            <a:endParaRPr lang="en-US" altLang="zh-CN" sz="2400" dirty="0">
+              <a:latin typeface="+mj-lt"/>
+            </a:endParaRPr>
+          </a:p>
+          <a:p>
+            <a:pPr marL="0" indent="0" algn="l">
+              <a:buNone/>
+            </a:pPr>
+            <a:endParaRPr lang="en-US" altLang="zh-CN" sz="2400" dirty="0">
+              <a:latin typeface="+mj-lt"/>
+            </a:endParaRPr>
+          </a:p>
+          <a:p>
+            <a:pPr marL="0" indent="0" algn="l">
+              <a:buNone/>
+            </a:pPr>
+            <a:endParaRPr lang="en-US" altLang="zh-CN" sz="2400" dirty="0">
+              <a:latin typeface="+mj-lt"/>
+            </a:endParaRPr>
+          </a:p>
+          <a:p>
+            <a:pPr marL="0" indent="0" algn="l">
+              <a:buNone/>
+            </a:pPr>
+            <a:endParaRPr lang="en-US" altLang="zh-CN" sz="2400" dirty="0">
+              <a:latin typeface="+mj-lt"/>
+            </a:endParaRPr>
+          </a:p>
+          <a:p>
+            <a:pPr marL="0" indent="0" algn="l">
+              <a:buNone/>
+            </a:pPr>
+            <a:endParaRPr lang="en-US" altLang="zh-CN" sz="2400" dirty="0">
+              <a:latin typeface="+mj-lt"/>
+            </a:endParaRPr>
+          </a:p>
+          <a:p>
+            <a:pPr marL="0" indent="0" algn="l">
+              <a:buNone/>
+            </a:pPr>
+            <a:r>
+              <a:rPr lang="en-US" altLang="zh-CN" sz="2400" dirty="0">
+                <a:latin typeface="+mj-lt"/>
+              </a:rPr>
+              <a:t>Note that this solution assumes that there is no year where students didn’t take any course, even though sections were offered.</a:t>
+            </a:r>
+            <a:endParaRPr lang="en-US" altLang="zh-CN" sz="2400" dirty="0">
+              <a:latin typeface="+mj-lt"/>
+            </a:endParaRPr>
+          </a:p>
+        </p:txBody>
+      </p:sp>
+      <p:sp>
+        <p:nvSpPr>
+          <p:cNvPr id="4" name="Slide Number Placeholder 3"/>
+          <p:cNvSpPr>
+            <a:spLocks noGrp="1"/>
+          </p:cNvSpPr>
+          <p:nvPr>
+            <p:ph type="sldNum" sz="quarter" idx="10"/>
+          </p:nvPr>
+        </p:nvSpPr>
+        <p:spPr/>
+        <p:txBody>
+          <a:bodyPr/>
+          <a:lstStyle/>
+          <a:p>
+            <a:pPr>
+              <a:defRPr/>
+            </a:pPr>
+            <a:fld id="{547F3CAF-32BF-49A6-93F1-59C9E4B7C957}" type="slidenum">
+              <a:rPr lang="en-US" altLang="en-US" smtClean="0"/>
+            </a:fld>
+            <a:endParaRPr lang="en-US" altLang="en-US" dirty="0"/>
+          </a:p>
+        </p:txBody>
+      </p:sp>
+      <p:sp>
+        <p:nvSpPr>
+          <p:cNvPr id="6" name="Title 1"/>
+          <p:cNvSpPr>
+            <a:spLocks noGrp="1"/>
+          </p:cNvSpPr>
+          <p:nvPr>
+            <p:ph type="title"/>
+          </p:nvPr>
+        </p:nvSpPr>
+        <p:spPr>
+          <a:xfrm>
+            <a:off x="661702" y="586892"/>
+            <a:ext cx="8079391" cy="609600"/>
+          </a:xfrm>
+        </p:spPr>
+        <p:txBody>
+          <a:bodyPr/>
+          <a:lstStyle/>
+          <a:p>
+            <a:pPr algn="ctr"/>
+            <a:r>
+              <a:rPr lang="en-NZ" sz="3600" dirty="0"/>
+              <a:t>Answers</a:t>
+            </a:r>
+            <a:endParaRPr lang="en-US" sz="3600" dirty="0"/>
+          </a:p>
+        </p:txBody>
+      </p:sp>
+      <p:pic>
+        <p:nvPicPr>
+          <p:cNvPr id="7" name="图片 6" descr="截屏2025-03-20 上午9.00.11"/>
+          <p:cNvPicPr>
+            <a:picLocks noChangeAspect="1"/>
+          </p:cNvPicPr>
+          <p:nvPr/>
+        </p:nvPicPr>
+        <p:blipFill>
+          <a:blip r:embed="rId1"/>
+          <a:stretch>
+            <a:fillRect/>
+          </a:stretch>
+        </p:blipFill>
+        <p:spPr>
+          <a:xfrm>
+            <a:off x="781050" y="2489200"/>
+            <a:ext cx="7960360" cy="1635760"/>
+          </a:xfrm>
+          <a:prstGeom prst="rect">
+            <a:avLst/>
+          </a:prstGeom>
+        </p:spPr>
+      </p:pic>
+    </p:spTree>
+  </p:cSld>
+  <p:clrMapOvr>
+    <a:masterClrMapping/>
+  </p:clrMapOvr>
+</p:sld>
+</file>
+
+<file path=ppt/slides/slide12.xml><?xml version="1.0" encoding="utf-8"?>
+<p:sld xmlns:a="http://schemas.openxmlformats.org/drawingml/2006/main" xmlns:r="http://schemas.openxmlformats.org/officeDocument/2006/relationships" xmlns:p="http://schemas.openxmlformats.org/presentationml/2006/main">
+  <p:cSld>
+    <p:spTree>
+      <p:nvGrpSpPr>
+        <p:cNvPr id="1" name=""/>
+        <p:cNvGrpSpPr/>
+        <p:nvPr/>
+      </p:nvGrpSpPr>
+      <p:grpSpPr>
+        <a:xfrm>
+          <a:off x="0" y="0"/>
+          <a:ext cx="0" cy="0"/>
+          <a:chOff x="0" y="0"/>
+          <a:chExt cx="0" cy="0"/>
+        </a:xfrm>
+      </p:grpSpPr>
+      <p:sp>
+        <p:nvSpPr>
+          <p:cNvPr id="3" name="Content Placeholder 2"/>
+          <p:cNvSpPr>
+            <a:spLocks noGrp="1"/>
+          </p:cNvSpPr>
+          <p:nvPr>
+            <p:ph idx="1"/>
+          </p:nvPr>
+        </p:nvSpPr>
+        <p:spPr>
+          <a:xfrm>
+            <a:off x="708692" y="1196396"/>
+            <a:ext cx="7727518" cy="4903787"/>
+          </a:xfrm>
+        </p:spPr>
+        <p:txBody>
+          <a:bodyPr/>
+          <a:lstStyle/>
+          <a:p>
+            <a:pPr marL="0" indent="0" algn="l">
+              <a:buNone/>
+            </a:pPr>
+            <a:r>
+              <a:rPr lang="en-US" altLang="zh-CN" sz="2000" dirty="0">
+                <a:latin typeface="+mj-lt"/>
+              </a:rPr>
+              <a:t>4. Sample Answer: </a:t>
+            </a:r>
+            <a:endParaRPr lang="en-US" altLang="zh-CN" sz="2000" dirty="0">
+              <a:latin typeface="+mj-lt"/>
+            </a:endParaRPr>
+          </a:p>
+          <a:p>
+            <a:pPr marL="0" indent="0" algn="l">
+              <a:buNone/>
+            </a:pPr>
+            <a:r>
+              <a:rPr lang="en-US" altLang="zh-CN" sz="2000" dirty="0">
+                <a:latin typeface="+mj-lt"/>
+              </a:rPr>
+              <a:t>SELECT student, total_marks, ranking</a:t>
+            </a:r>
+            <a:endParaRPr lang="en-US" altLang="zh-CN" sz="2000" dirty="0">
+              <a:latin typeface="+mj-lt"/>
+            </a:endParaRPr>
+          </a:p>
+          <a:p>
+            <a:pPr marL="0" indent="0" algn="l">
+              <a:buNone/>
+            </a:pPr>
+            <a:r>
+              <a:rPr lang="en-US" altLang="zh-CN" sz="2000" dirty="0">
+                <a:latin typeface="+mj-lt"/>
+              </a:rPr>
+              <a:t>FROM (</a:t>
+            </a:r>
+            <a:endParaRPr lang="en-US" altLang="zh-CN" sz="2000" dirty="0">
+              <a:latin typeface="+mj-lt"/>
+            </a:endParaRPr>
+          </a:p>
+          <a:p>
+            <a:pPr marL="0" indent="0" algn="l">
+              <a:buNone/>
+            </a:pPr>
+            <a:r>
+              <a:rPr lang="en-US" altLang="zh-CN" sz="2000" dirty="0">
+                <a:latin typeface="+mj-lt"/>
+              </a:rPr>
+              <a:t>    SELECT </a:t>
+            </a:r>
+            <a:endParaRPr lang="en-US" altLang="zh-CN" sz="2000" dirty="0">
+              <a:latin typeface="+mj-lt"/>
+            </a:endParaRPr>
+          </a:p>
+          <a:p>
+            <a:pPr marL="0" indent="0" algn="l">
+              <a:buNone/>
+            </a:pPr>
+            <a:r>
+              <a:rPr lang="en-US" altLang="zh-CN" sz="2000" dirty="0">
+                <a:latin typeface="+mj-lt"/>
+              </a:rPr>
+              <a:t>        student, </a:t>
+            </a:r>
+            <a:endParaRPr lang="en-US" altLang="zh-CN" sz="2000" dirty="0">
+              <a:latin typeface="+mj-lt"/>
+            </a:endParaRPr>
+          </a:p>
+          <a:p>
+            <a:pPr marL="0" indent="0" algn="l">
+              <a:buNone/>
+            </a:pPr>
+            <a:r>
+              <a:rPr lang="en-US" altLang="zh-CN" sz="2000" dirty="0">
+                <a:latin typeface="+mj-lt"/>
+              </a:rPr>
+              <a:t>        SUM(marks) AS total_marks,</a:t>
+            </a:r>
+            <a:endParaRPr lang="en-US" altLang="zh-CN" sz="2000" dirty="0">
+              <a:latin typeface="+mj-lt"/>
+            </a:endParaRPr>
+          </a:p>
+          <a:p>
+            <a:pPr marL="0" indent="0" algn="l">
+              <a:buNone/>
+            </a:pPr>
+            <a:r>
+              <a:rPr lang="en-US" altLang="zh-CN" sz="2000" dirty="0">
+                <a:latin typeface="+mj-lt"/>
+              </a:rPr>
+              <a:t>        DENSE_RANK() OVER (ORDER BY SUM(marks) DESC) AS ranking</a:t>
+            </a:r>
+            <a:endParaRPr lang="en-US" altLang="zh-CN" sz="2000" dirty="0">
+              <a:latin typeface="+mj-lt"/>
+            </a:endParaRPr>
+          </a:p>
+          <a:p>
+            <a:pPr marL="0" indent="0" algn="l">
+              <a:buNone/>
+            </a:pPr>
+            <a:r>
+              <a:rPr lang="en-US" altLang="zh-CN" sz="2000" dirty="0">
+                <a:latin typeface="+mj-lt"/>
+              </a:rPr>
+              <a:t>    FROM S</a:t>
+            </a:r>
+            <a:endParaRPr lang="en-US" altLang="zh-CN" sz="2000" dirty="0">
+              <a:latin typeface="+mj-lt"/>
+            </a:endParaRPr>
+          </a:p>
+          <a:p>
+            <a:pPr marL="0" indent="0" algn="l">
+              <a:buNone/>
+            </a:pPr>
+            <a:r>
+              <a:rPr lang="en-US" altLang="zh-CN" sz="2000" dirty="0">
+                <a:latin typeface="+mj-lt"/>
+              </a:rPr>
+              <a:t>    GROUP BY student</a:t>
+            </a:r>
+            <a:endParaRPr lang="en-US" altLang="zh-CN" sz="2000" dirty="0">
+              <a:latin typeface="+mj-lt"/>
+            </a:endParaRPr>
+          </a:p>
+          <a:p>
+            <a:pPr marL="0" indent="0" algn="l">
+              <a:buNone/>
+            </a:pPr>
+            <a:r>
+              <a:rPr lang="en-US" altLang="zh-CN" sz="2000" dirty="0">
+                <a:latin typeface="+mj-lt"/>
+              </a:rPr>
+              <a:t>) AS RankedStudents</a:t>
+            </a:r>
+            <a:endParaRPr lang="en-US" altLang="zh-CN" sz="2000" dirty="0">
+              <a:latin typeface="+mj-lt"/>
+            </a:endParaRPr>
+          </a:p>
+          <a:p>
+            <a:pPr marL="0" indent="0" algn="l">
+              <a:buNone/>
+            </a:pPr>
+            <a:r>
+              <a:rPr lang="en-US" altLang="zh-CN" sz="2000" dirty="0">
+                <a:latin typeface="+mj-lt"/>
+              </a:rPr>
+              <a:t>WHERE ranking &lt;= 10;</a:t>
+            </a:r>
+            <a:endParaRPr lang="en-US" altLang="zh-CN" sz="2000" dirty="0">
+              <a:latin typeface="+mj-lt"/>
+            </a:endParaRPr>
+          </a:p>
+          <a:p>
+            <a:pPr marL="0" indent="0" algn="l">
+              <a:buNone/>
+            </a:pPr>
+            <a:endParaRPr lang="en-US" altLang="zh-CN" sz="2000" dirty="0">
+              <a:latin typeface="+mj-lt"/>
+            </a:endParaRPr>
+          </a:p>
+        </p:txBody>
+      </p:sp>
+      <p:sp>
+        <p:nvSpPr>
+          <p:cNvPr id="4" name="Slide Number Placeholder 3"/>
+          <p:cNvSpPr>
+            <a:spLocks noGrp="1"/>
+          </p:cNvSpPr>
+          <p:nvPr>
+            <p:ph type="sldNum" sz="quarter" idx="10"/>
+          </p:nvPr>
+        </p:nvSpPr>
+        <p:spPr/>
+        <p:txBody>
+          <a:bodyPr/>
+          <a:lstStyle/>
+          <a:p>
+            <a:pPr>
+              <a:defRPr/>
+            </a:pPr>
+            <a:fld id="{547F3CAF-32BF-49A6-93F1-59C9E4B7C957}" type="slidenum">
+              <a:rPr lang="en-US" altLang="en-US" smtClean="0"/>
+            </a:fld>
+            <a:endParaRPr lang="en-US" altLang="en-US" dirty="0"/>
+          </a:p>
+        </p:txBody>
+      </p:sp>
+      <p:sp>
+        <p:nvSpPr>
+          <p:cNvPr id="6" name="Title 1"/>
+          <p:cNvSpPr>
+            <a:spLocks noGrp="1"/>
+          </p:cNvSpPr>
+          <p:nvPr>
+            <p:ph type="title"/>
+          </p:nvPr>
+        </p:nvSpPr>
+        <p:spPr>
+          <a:xfrm>
+            <a:off x="661702" y="586892"/>
+            <a:ext cx="8079391" cy="609600"/>
+          </a:xfrm>
+        </p:spPr>
+        <p:txBody>
+          <a:bodyPr/>
+          <a:lstStyle/>
+          <a:p>
+            <a:pPr algn="ctr"/>
+            <a:r>
+              <a:rPr lang="en-NZ" sz="3600" dirty="0"/>
+              <a:t>Answers</a:t>
+            </a:r>
+            <a:endParaRPr lang="en-US" sz="3600" dirty="0"/>
+          </a:p>
+        </p:txBody>
+      </p:sp>
+    </p:spTree>
+  </p:cSld>
+  <p:clrMapOvr>
+    <a:masterClrMapping/>
+  </p:clrMapOvr>
+</p:sld>
+</file>
+
+<file path=ppt/slides/slide13.xml><?xml version="1.0" encoding="utf-8"?>
+<p:sld xmlns:a="http://schemas.openxmlformats.org/drawingml/2006/main" xmlns:r="http://schemas.openxmlformats.org/officeDocument/2006/relationships" xmlns:p="http://schemas.openxmlformats.org/presentationml/2006/main">
+  <p:cSld>
+    <p:spTree>
+      <p:nvGrpSpPr>
+        <p:cNvPr id="1" name=""/>
+        <p:cNvGrpSpPr/>
+        <p:nvPr/>
+      </p:nvGrpSpPr>
+      <p:grpSpPr>
+        <a:xfrm>
+          <a:off x="0" y="0"/>
+          <a:ext cx="0" cy="0"/>
+          <a:chOff x="0" y="0"/>
+          <a:chExt cx="0" cy="0"/>
+        </a:xfrm>
+      </p:grpSpPr>
+      <p:sp>
+        <p:nvSpPr>
+          <p:cNvPr id="2" name="object 2"/>
+          <p:cNvSpPr/>
+          <p:nvPr/>
+        </p:nvSpPr>
+        <p:spPr>
+          <a:xfrm>
+            <a:off x="0" y="0"/>
+            <a:ext cx="9144000" cy="6858000"/>
+          </a:xfrm>
+          <a:custGeom>
+            <a:avLst/>
+            <a:gdLst/>
+            <a:ahLst/>
+            <a:cxnLst/>
+            <a:rect l="l" t="t" r="r" b="b"/>
+            <a:pathLst>
+              <a:path w="5760085" h="3240405">
+                <a:moveTo>
+                  <a:pt x="5759996" y="0"/>
+                </a:moveTo>
+                <a:lnTo>
+                  <a:pt x="0" y="0"/>
+                </a:lnTo>
+                <a:lnTo>
+                  <a:pt x="0" y="3239998"/>
+                </a:lnTo>
+                <a:lnTo>
+                  <a:pt x="5759996" y="3239998"/>
+                </a:lnTo>
+                <a:lnTo>
+                  <a:pt x="5759996" y="0"/>
+                </a:lnTo>
+                <a:close/>
+              </a:path>
+            </a:pathLst>
+          </a:custGeom>
+          <a:solidFill>
+            <a:srgbClr val="0054A0"/>
+          </a:solidFill>
+        </p:spPr>
+        <p:txBody>
+          <a:bodyPr wrap="square" lIns="0" tIns="0" rIns="0" bIns="0" rtlCol="0"/>
+          <a:lstStyle/>
+          <a:p>
+            <a:endParaRPr sz="2535"/>
+          </a:p>
+        </p:txBody>
+      </p:sp>
+      <p:pic>
+        <p:nvPicPr>
+          <p:cNvPr id="3" name="object 3"/>
+          <p:cNvPicPr/>
+          <p:nvPr/>
+        </p:nvPicPr>
+        <p:blipFill>
+          <a:blip r:embed="rId1" cstate="print"/>
+          <a:stretch>
+            <a:fillRect/>
+          </a:stretch>
+        </p:blipFill>
+        <p:spPr>
+          <a:xfrm>
+            <a:off x="6435597" y="346486"/>
+            <a:ext cx="2492957" cy="488217"/>
+          </a:xfrm>
+          <a:prstGeom prst="rect">
+            <a:avLst/>
+          </a:prstGeom>
+        </p:spPr>
+      </p:pic>
+      <p:sp>
+        <p:nvSpPr>
+          <p:cNvPr id="4" name="object 4"/>
+          <p:cNvSpPr txBox="1"/>
+          <p:nvPr/>
+        </p:nvSpPr>
+        <p:spPr>
+          <a:xfrm>
+            <a:off x="3853912" y="3160315"/>
+            <a:ext cx="1427995" cy="881151"/>
+          </a:xfrm>
+          <a:prstGeom prst="rect">
+            <a:avLst/>
+          </a:prstGeom>
+        </p:spPr>
+        <p:txBody>
+          <a:bodyPr vert="horz" wrap="square" lIns="0" tIns="27190" rIns="0" bIns="0" rtlCol="0">
+            <a:spAutoFit/>
+          </a:bodyPr>
+          <a:lstStyle/>
+          <a:p>
+            <a:pPr algn="ctr">
+              <a:spcBef>
+                <a:spcPts val="215"/>
+              </a:spcBef>
+            </a:pPr>
+            <a:r>
+              <a:rPr sz="2220" spc="-40" dirty="0">
+                <a:solidFill>
+                  <a:srgbClr val="FFFFFF"/>
+                </a:solidFill>
+                <a:latin typeface="Arial" panose="020B0604020202090204"/>
+                <a:cs typeface="Arial" panose="020B0604020202090204"/>
+              </a:rPr>
+              <a:t>FIN</a:t>
+            </a:r>
+            <a:endParaRPr sz="2220" dirty="0">
+              <a:latin typeface="Arial" panose="020B0604020202090204"/>
+              <a:cs typeface="Arial" panose="020B0604020202090204"/>
+            </a:endParaRPr>
+          </a:p>
+          <a:p>
+            <a:pPr algn="ctr">
+              <a:spcBef>
+                <a:spcPts val="1855"/>
+              </a:spcBef>
+            </a:pPr>
+            <a:r>
+              <a:rPr sz="1745" dirty="0">
+                <a:solidFill>
+                  <a:srgbClr val="FFFFFF"/>
+                </a:solidFill>
+                <a:latin typeface="Arial" panose="020B0604020202090204"/>
+                <a:cs typeface="Arial" panose="020B0604020202090204"/>
+              </a:rPr>
+              <a:t>Any</a:t>
+            </a:r>
+            <a:r>
+              <a:rPr sz="1745" spc="-95" dirty="0">
+                <a:solidFill>
+                  <a:srgbClr val="FFFFFF"/>
+                </a:solidFill>
+                <a:latin typeface="Arial" panose="020B0604020202090204"/>
+                <a:cs typeface="Arial" panose="020B0604020202090204"/>
+              </a:rPr>
+              <a:t> </a:t>
+            </a:r>
+            <a:r>
+              <a:rPr sz="1745" spc="-79" dirty="0">
+                <a:solidFill>
+                  <a:srgbClr val="FFFFFF"/>
+                </a:solidFill>
+                <a:latin typeface="Arial" panose="020B0604020202090204"/>
+                <a:cs typeface="Arial" panose="020B0604020202090204"/>
+              </a:rPr>
+              <a:t>questions?</a:t>
+            </a:r>
+            <a:endParaRPr sz="1745" dirty="0">
+              <a:latin typeface="Arial" panose="020B0604020202090204"/>
+              <a:cs typeface="Arial" panose="020B0604020202090204"/>
+            </a:endParaRPr>
+          </a:p>
+        </p:txBody>
+      </p:sp>
+    </p:spTree>
+  </p:cSld>
+  <p:clrMapOvr>
+    <a:masterClrMapping/>
+  </p:clrMapOvr>
+  <p:transition>
+    <p:cut/>
+  </p:transition>
+</p:sld>
+</file>
+
 <file path=ppt/slides/slide2.xml><?xml version="1.0" encoding="utf-8"?>
 <p:sld xmlns:a="http://schemas.openxmlformats.org/drawingml/2006/main" xmlns:r="http://schemas.openxmlformats.org/officeDocument/2006/relationships" xmlns:p="http://schemas.openxmlformats.org/presentationml/2006/main">
   <p:cSld>
@@ -6566,157 +7680,230 @@
       </p:grpSpPr>
       <p:sp>
         <p:nvSpPr>
-          <p:cNvPr id="2" name="object 2"/>
-          <p:cNvSpPr/>
-          <p:nvPr/>
+          <p:cNvPr id="3" name="Content Placeholder 2"/>
+          <p:cNvSpPr>
+            <a:spLocks noGrp="1"/>
+          </p:cNvSpPr>
+          <p:nvPr>
+            <p:ph idx="1"/>
+          </p:nvPr>
         </p:nvSpPr>
         <p:spPr>
           <a:xfrm>
-            <a:off x="0" y="0"/>
-            <a:ext cx="9144000" cy="6858000"/>
+            <a:off x="885857" y="1196396"/>
+            <a:ext cx="7727518" cy="4903787"/>
           </a:xfrm>
-          <a:custGeom>
-            <a:avLst/>
-            <a:gdLst/>
-            <a:ahLst/>
-            <a:cxnLst/>
-            <a:rect l="l" t="t" r="r" b="b"/>
-            <a:pathLst>
-              <a:path w="5760085" h="3240405">
-                <a:moveTo>
-                  <a:pt x="5759996" y="0"/>
-                </a:moveTo>
-                <a:lnTo>
-                  <a:pt x="0" y="0"/>
-                </a:lnTo>
-                <a:lnTo>
-                  <a:pt x="0" y="3239998"/>
-                </a:lnTo>
-                <a:lnTo>
-                  <a:pt x="5759996" y="3239998"/>
-                </a:lnTo>
-                <a:lnTo>
-                  <a:pt x="5759996" y="0"/>
-                </a:lnTo>
-                <a:close/>
-              </a:path>
-            </a:pathLst>
-          </a:custGeom>
-          <a:solidFill>
-            <a:srgbClr val="0054A0"/>
-          </a:solidFill>
         </p:spPr>
         <p:txBody>
-          <a:bodyPr wrap="square" lIns="0" tIns="0" rIns="0" bIns="0" rtlCol="0"/>
+          <a:bodyPr/>
           <a:lstStyle/>
           <a:p>
-            <a:endParaRPr sz="2535"/>
-          </a:p>
-        </p:txBody>
-      </p:sp>
-      <p:pic>
-        <p:nvPicPr>
-          <p:cNvPr id="3" name="object 3"/>
-          <p:cNvPicPr/>
-          <p:nvPr/>
-        </p:nvPicPr>
-        <p:blipFill>
-          <a:blip r:embed="rId1" cstate="print"/>
-          <a:stretch>
-            <a:fillRect/>
-          </a:stretch>
-        </p:blipFill>
+            <a:pPr marL="0" indent="0" algn="l">
+              <a:buNone/>
+            </a:pPr>
+            <a:r>
+              <a:rPr lang="en-US" altLang="zh-CN" sz="2000" dirty="0">
+                <a:latin typeface="+mj-lt"/>
+              </a:rPr>
+              <a:t>1. NATURAL JOIN automatically joins tables based on common column names, which may cause incorrect or unintended joins. So replace NATURAL JOIN with explicit JOIN to ensure correct table relationships.  </a:t>
+            </a:r>
+            <a:endParaRPr lang="en-US" altLang="zh-CN" sz="2000" dirty="0">
+              <a:latin typeface="+mj-lt"/>
+            </a:endParaRPr>
+          </a:p>
+          <a:p>
+            <a:pPr marL="0" indent="0" algn="l">
+              <a:buNone/>
+            </a:pPr>
+            <a:r>
+              <a:rPr lang="en-US" altLang="zh-CN" sz="2000" dirty="0">
+                <a:latin typeface="+mj-lt"/>
+              </a:rPr>
+              <a:t>Fixed Query:  </a:t>
+            </a:r>
+            <a:endParaRPr lang="en-US" altLang="zh-CN" sz="2000" dirty="0">
+              <a:latin typeface="+mj-lt"/>
+            </a:endParaRPr>
+          </a:p>
+          <a:p>
+            <a:pPr marL="0" indent="0" algn="l">
+              <a:buNone/>
+            </a:pPr>
+            <a:r>
+              <a:rPr lang="en-US" altLang="zh-CN" sz="2000" dirty="0">
+                <a:latin typeface="+mj-lt"/>
+              </a:rPr>
+              <a:t>SELECT i.name, c.title</a:t>
+            </a:r>
+            <a:endParaRPr lang="en-US" altLang="zh-CN" sz="2000" dirty="0">
+              <a:latin typeface="+mj-lt"/>
+            </a:endParaRPr>
+          </a:p>
+          <a:p>
+            <a:pPr marL="0" indent="0" algn="l">
+              <a:buNone/>
+            </a:pPr>
+            <a:r>
+              <a:rPr lang="en-US" altLang="zh-CN" sz="2000" dirty="0">
+                <a:latin typeface="+mj-lt"/>
+              </a:rPr>
+              <a:t>FROM instructor i</a:t>
+            </a:r>
+            <a:endParaRPr lang="en-US" altLang="zh-CN" sz="2000" dirty="0">
+              <a:latin typeface="+mj-lt"/>
+            </a:endParaRPr>
+          </a:p>
+          <a:p>
+            <a:pPr marL="0" indent="0" algn="l">
+              <a:buNone/>
+            </a:pPr>
+            <a:r>
+              <a:rPr lang="en-US" altLang="zh-CN" sz="2000" dirty="0">
+                <a:latin typeface="+mj-lt"/>
+              </a:rPr>
+              <a:t>JOIN teaches t ON i.ID = t.ID</a:t>
+            </a:r>
+            <a:endParaRPr lang="en-US" altLang="zh-CN" sz="2000" dirty="0">
+              <a:latin typeface="+mj-lt"/>
+            </a:endParaRPr>
+          </a:p>
+          <a:p>
+            <a:pPr marL="0" indent="0" algn="l">
+              <a:buNone/>
+            </a:pPr>
+            <a:r>
+              <a:rPr lang="en-US" altLang="zh-CN" sz="2000" dirty="0">
+                <a:latin typeface="+mj-lt"/>
+              </a:rPr>
+              <a:t>JOIN section s ON t.course_id = s.course_id </a:t>
+            </a:r>
+            <a:endParaRPr lang="en-US" altLang="zh-CN" sz="2000" dirty="0">
+              <a:latin typeface="+mj-lt"/>
+            </a:endParaRPr>
+          </a:p>
+          <a:p>
+            <a:pPr marL="0" indent="0" algn="l">
+              <a:buNone/>
+            </a:pPr>
+            <a:r>
+              <a:rPr lang="en-US" altLang="zh-CN" sz="2000" dirty="0">
+                <a:latin typeface="+mj-lt"/>
+              </a:rPr>
+              <a:t>               AND t.sec_id = s.sec_id </a:t>
+            </a:r>
+            <a:endParaRPr lang="en-US" altLang="zh-CN" sz="2000" dirty="0">
+              <a:latin typeface="+mj-lt"/>
+            </a:endParaRPr>
+          </a:p>
+          <a:p>
+            <a:pPr marL="0" indent="0" algn="l">
+              <a:buNone/>
+            </a:pPr>
+            <a:r>
+              <a:rPr lang="en-US" altLang="zh-CN" sz="2000" dirty="0">
+                <a:latin typeface="+mj-lt"/>
+              </a:rPr>
+              <a:t>               AND t.semester = s.semester </a:t>
+            </a:r>
+            <a:endParaRPr lang="en-US" altLang="zh-CN" sz="2000" dirty="0">
+              <a:latin typeface="+mj-lt"/>
+            </a:endParaRPr>
+          </a:p>
+          <a:p>
+            <a:pPr marL="0" indent="0" algn="l">
+              <a:buNone/>
+            </a:pPr>
+            <a:r>
+              <a:rPr lang="en-US" altLang="zh-CN" sz="2000" dirty="0">
+                <a:latin typeface="+mj-lt"/>
+              </a:rPr>
+              <a:t>               AND t.year = s.year</a:t>
+            </a:r>
+            <a:endParaRPr lang="en-US" altLang="zh-CN" sz="2000" dirty="0">
+              <a:latin typeface="+mj-lt"/>
+            </a:endParaRPr>
+          </a:p>
+          <a:p>
+            <a:pPr marL="0" indent="0" algn="l">
+              <a:buNone/>
+            </a:pPr>
+            <a:r>
+              <a:rPr lang="en-US" altLang="zh-CN" sz="2000" dirty="0">
+                <a:latin typeface="+mj-lt"/>
+              </a:rPr>
+              <a:t>JOIN course c ON s.course_id = c.course_id</a:t>
+            </a:r>
+            <a:endParaRPr lang="en-US" altLang="zh-CN" sz="2000" dirty="0">
+              <a:latin typeface="+mj-lt"/>
+            </a:endParaRPr>
+          </a:p>
+          <a:p>
+            <a:pPr marL="0" indent="0" algn="l">
+              <a:buNone/>
+            </a:pPr>
+            <a:r>
+              <a:rPr lang="en-US" altLang="zh-CN" sz="2000" dirty="0">
+                <a:latin typeface="+mj-lt"/>
+              </a:rPr>
+              <a:t>WHERE s.semester = 'Spring' AND s.year = 2017; </a:t>
+            </a:r>
+            <a:endParaRPr lang="en-US" altLang="zh-CN" sz="2000" dirty="0">
+              <a:latin typeface="+mj-lt"/>
+            </a:endParaRPr>
+          </a:p>
+        </p:txBody>
+      </p:sp>
+      <p:sp>
+        <p:nvSpPr>
+          <p:cNvPr id="4" name="Slide Number Placeholder 3"/>
+          <p:cNvSpPr>
+            <a:spLocks noGrp="1"/>
+          </p:cNvSpPr>
+          <p:nvPr>
+            <p:ph type="sldNum" sz="quarter" idx="10"/>
+          </p:nvPr>
+        </p:nvSpPr>
+        <p:spPr/>
+        <p:txBody>
+          <a:bodyPr/>
+          <a:lstStyle/>
+          <a:p>
+            <a:pPr>
+              <a:defRPr/>
+            </a:pPr>
+            <a:fld id="{547F3CAF-32BF-49A6-93F1-59C9E4B7C957}" type="slidenum">
+              <a:rPr lang="en-US" altLang="en-US" smtClean="0"/>
+            </a:fld>
+            <a:endParaRPr lang="en-US" altLang="en-US" dirty="0"/>
+          </a:p>
+        </p:txBody>
+      </p:sp>
+      <p:sp>
+        <p:nvSpPr>
+          <p:cNvPr id="8" name="Title 1"/>
+          <p:cNvSpPr>
+            <a:spLocks noGrp="1"/>
+          </p:cNvSpPr>
+          <p:nvPr>
+            <p:ph type="title"/>
+          </p:nvPr>
+        </p:nvSpPr>
         <p:spPr>
           <a:xfrm>
-            <a:off x="6435597" y="346486"/>
-            <a:ext cx="2492957" cy="488217"/>
+            <a:off x="661702" y="586892"/>
+            <a:ext cx="8079391" cy="609600"/>
           </a:xfrm>
-          <a:prstGeom prst="rect">
-            <a:avLst/>
-          </a:prstGeom>
         </p:spPr>
-      </p:pic>
-      <p:sp>
-        <p:nvSpPr>
-          <p:cNvPr id="4" name="object 4"/>
-          <p:cNvSpPr txBox="1"/>
-          <p:nvPr/>
-        </p:nvSpPr>
-        <p:spPr>
-          <a:xfrm>
-            <a:off x="3853912" y="3160315"/>
-            <a:ext cx="1427995" cy="881151"/>
-          </a:xfrm>
-          <a:prstGeom prst="rect">
-            <a:avLst/>
-          </a:prstGeom>
-        </p:spPr>
-        <p:txBody>
-          <a:bodyPr vert="horz" wrap="square" lIns="0" tIns="27190" rIns="0" bIns="0" rtlCol="0">
-            <a:spAutoFit/>
-          </a:bodyPr>
+        <p:txBody>
+          <a:bodyPr/>
           <a:lstStyle/>
           <a:p>
-            <a:pPr algn="ctr">
-              <a:spcBef>
-                <a:spcPts val="215"/>
-              </a:spcBef>
-            </a:pPr>
-            <a:r>
-              <a:rPr sz="2220" spc="-40" dirty="0">
-                <a:solidFill>
-                  <a:srgbClr val="FFFFFF"/>
-                </a:solidFill>
-                <a:latin typeface="Arial" panose="020B0604020202090204"/>
-                <a:cs typeface="Arial" panose="020B0604020202090204"/>
-              </a:rPr>
-              <a:t>FIN</a:t>
-            </a:r>
-            <a:endParaRPr sz="2220" dirty="0">
-              <a:latin typeface="Arial" panose="020B0604020202090204"/>
-              <a:cs typeface="Arial" panose="020B0604020202090204"/>
-            </a:endParaRPr>
-          </a:p>
-          <a:p>
-            <a:pPr algn="ctr">
-              <a:spcBef>
-                <a:spcPts val="1855"/>
-              </a:spcBef>
-            </a:pPr>
-            <a:r>
-              <a:rPr sz="1745" dirty="0">
-                <a:solidFill>
-                  <a:srgbClr val="FFFFFF"/>
-                </a:solidFill>
-                <a:latin typeface="Arial" panose="020B0604020202090204"/>
-                <a:cs typeface="Arial" panose="020B0604020202090204"/>
-              </a:rPr>
-              <a:t>Any</a:t>
-            </a:r>
-            <a:r>
-              <a:rPr sz="1745" spc="-95" dirty="0">
-                <a:solidFill>
-                  <a:srgbClr val="FFFFFF"/>
-                </a:solidFill>
-                <a:latin typeface="Arial" panose="020B0604020202090204"/>
-                <a:cs typeface="Arial" panose="020B0604020202090204"/>
-              </a:rPr>
-              <a:t> </a:t>
-            </a:r>
-            <a:r>
-              <a:rPr sz="1745" spc="-79" dirty="0">
-                <a:solidFill>
-                  <a:srgbClr val="FFFFFF"/>
-                </a:solidFill>
-                <a:latin typeface="Arial" panose="020B0604020202090204"/>
-                <a:cs typeface="Arial" panose="020B0604020202090204"/>
-              </a:rPr>
-              <a:t>questions?</a:t>
-            </a:r>
-            <a:endParaRPr sz="1745" dirty="0">
-              <a:latin typeface="Arial" panose="020B0604020202090204"/>
-              <a:cs typeface="Arial" panose="020B0604020202090204"/>
-            </a:endParaRPr>
+            <a:pPr algn="ctr"/>
+            <a:r>
+              <a:rPr lang="en-NZ" sz="3600" dirty="0"/>
+              <a:t>Answers</a:t>
+            </a:r>
+            <a:endParaRPr lang="en-US" sz="3600" dirty="0"/>
           </a:p>
         </p:txBody>
       </p:sp>
@@ -6725,9 +7912,6 @@
   <p:clrMapOvr>
     <a:masterClrMapping/>
   </p:clrMapOvr>
-  <p:transition>
-    <p:cut/>
-  </p:transition>
 </p:sld>
 </file>
 
